--- a/test_2.pptx
+++ b/test_2.pptx
@@ -8,10 +8,12 @@
     <p:sldId id="258" r:id="rId2"/>
     <p:sldId id="259" r:id="rId3"/>
     <p:sldId id="260" r:id="rId4"/>
-    <p:sldId id="264" r:id="rId5"/>
+    <p:sldId id="261" r:id="rId5"/>
     <p:sldId id="262" r:id="rId6"/>
     <p:sldId id="263" r:id="rId7"/>
     <p:sldId id="265" r:id="rId8"/>
+    <p:sldId id="266" r:id="rId9"/>
+    <p:sldId id="264" r:id="rId10"/>
   </p:sldIdLst>
   <p:sldSz cx="12192000" cy="6858000"/>
   <p:notesSz cx="6858000" cy="9144000"/>
@@ -249,7 +251,7 @@
           <a:p>
             <a:fld id="{09C59940-C9B3-422E-A256-A91B2C58EC11}" type="datetimeFigureOut">
               <a:rPr lang="ru-RU" smtClean="0"/>
-              <a:t>27.09.2023</a:t>
+              <a:t>02.10.2023</a:t>
             </a:fld>
             <a:endParaRPr lang="ru-RU"/>
           </a:p>
@@ -419,7 +421,7 @@
           <a:p>
             <a:fld id="{09C59940-C9B3-422E-A256-A91B2C58EC11}" type="datetimeFigureOut">
               <a:rPr lang="ru-RU" smtClean="0"/>
-              <a:t>27.09.2023</a:t>
+              <a:t>02.10.2023</a:t>
             </a:fld>
             <a:endParaRPr lang="ru-RU"/>
           </a:p>
@@ -599,7 +601,7 @@
           <a:p>
             <a:fld id="{09C59940-C9B3-422E-A256-A91B2C58EC11}" type="datetimeFigureOut">
               <a:rPr lang="ru-RU" smtClean="0"/>
-              <a:t>27.09.2023</a:t>
+              <a:t>02.10.2023</a:t>
             </a:fld>
             <a:endParaRPr lang="ru-RU"/>
           </a:p>
@@ -769,7 +771,7 @@
           <a:p>
             <a:fld id="{09C59940-C9B3-422E-A256-A91B2C58EC11}" type="datetimeFigureOut">
               <a:rPr lang="ru-RU" smtClean="0"/>
-              <a:t>27.09.2023</a:t>
+              <a:t>02.10.2023</a:t>
             </a:fld>
             <a:endParaRPr lang="ru-RU"/>
           </a:p>
@@ -1015,7 +1017,7 @@
           <a:p>
             <a:fld id="{09C59940-C9B3-422E-A256-A91B2C58EC11}" type="datetimeFigureOut">
               <a:rPr lang="ru-RU" smtClean="0"/>
-              <a:t>27.09.2023</a:t>
+              <a:t>02.10.2023</a:t>
             </a:fld>
             <a:endParaRPr lang="ru-RU"/>
           </a:p>
@@ -1247,7 +1249,7 @@
           <a:p>
             <a:fld id="{09C59940-C9B3-422E-A256-A91B2C58EC11}" type="datetimeFigureOut">
               <a:rPr lang="ru-RU" smtClean="0"/>
-              <a:t>27.09.2023</a:t>
+              <a:t>02.10.2023</a:t>
             </a:fld>
             <a:endParaRPr lang="ru-RU"/>
           </a:p>
@@ -1614,7 +1616,7 @@
           <a:p>
             <a:fld id="{09C59940-C9B3-422E-A256-A91B2C58EC11}" type="datetimeFigureOut">
               <a:rPr lang="ru-RU" smtClean="0"/>
-              <a:t>27.09.2023</a:t>
+              <a:t>02.10.2023</a:t>
             </a:fld>
             <a:endParaRPr lang="ru-RU"/>
           </a:p>
@@ -1732,7 +1734,7 @@
           <a:p>
             <a:fld id="{09C59940-C9B3-422E-A256-A91B2C58EC11}" type="datetimeFigureOut">
               <a:rPr lang="ru-RU" smtClean="0"/>
-              <a:t>27.09.2023</a:t>
+              <a:t>02.10.2023</a:t>
             </a:fld>
             <a:endParaRPr lang="ru-RU"/>
           </a:p>
@@ -1827,7 +1829,7 @@
           <a:p>
             <a:fld id="{09C59940-C9B3-422E-A256-A91B2C58EC11}" type="datetimeFigureOut">
               <a:rPr lang="ru-RU" smtClean="0"/>
-              <a:t>27.09.2023</a:t>
+              <a:t>02.10.2023</a:t>
             </a:fld>
             <a:endParaRPr lang="ru-RU"/>
           </a:p>
@@ -2104,7 +2106,7 @@
           <a:p>
             <a:fld id="{09C59940-C9B3-422E-A256-A91B2C58EC11}" type="datetimeFigureOut">
               <a:rPr lang="ru-RU" smtClean="0"/>
-              <a:t>27.09.2023</a:t>
+              <a:t>02.10.2023</a:t>
             </a:fld>
             <a:endParaRPr lang="ru-RU"/>
           </a:p>
@@ -2357,7 +2359,7 @@
           <a:p>
             <a:fld id="{09C59940-C9B3-422E-A256-A91B2C58EC11}" type="datetimeFigureOut">
               <a:rPr lang="ru-RU" smtClean="0"/>
-              <a:t>27.09.2023</a:t>
+              <a:t>02.10.2023</a:t>
             </a:fld>
             <a:endParaRPr lang="ru-RU"/>
           </a:p>
@@ -2570,7 +2572,7 @@
           <a:p>
             <a:fld id="{09C59940-C9B3-422E-A256-A91B2C58EC11}" type="datetimeFigureOut">
               <a:rPr lang="ru-RU" smtClean="0"/>
-              <a:t>27.09.2023</a:t>
+              <a:t>02.10.2023</a:t>
             </a:fld>
             <a:endParaRPr lang="ru-RU"/>
           </a:p>
@@ -2987,34 +2989,34 @@
         </p:nvSpPr>
         <p:spPr>
           <a:xfrm>
-            <a:off x="568512" y="309658"/>
+            <a:off x="508691" y="284021"/>
             <a:ext cx="11212082" cy="6330424"/>
           </a:xfrm>
         </p:spPr>
         <p:txBody>
           <a:bodyPr anchor="t">
-            <a:normAutofit/>
+            <a:normAutofit fontScale="90000"/>
           </a:bodyPr>
           <a:lstStyle/>
           <a:p>
             <a:r>
               <a:rPr lang="ru-RU" sz="2000" dirty="0" smtClean="0"/>
-              <a:t>1) Как </a:t>
-            </a:r>
-            <a:r>
-              <a:rPr lang="ru-RU" sz="2000" dirty="0"/>
-              <a:t>в </a:t>
-            </a:r>
-            <a:r>
-              <a:rPr lang="ru-RU" sz="2000" dirty="0" err="1"/>
-              <a:t>Python</a:t>
-            </a:r>
-            <a:r>
-              <a:rPr lang="ru-RU" sz="2000" dirty="0"/>
-              <a:t> выполнить преобразование числа (например, целого числа) в строку?</a:t>
-            </a:r>
-            <a:br>
-              <a:rPr lang="ru-RU" sz="2000" dirty="0"/>
+              <a:t>1) </a:t>
+            </a:r>
+            <a:r>
+              <a:rPr lang="ru-RU" sz="2000" dirty="0" smtClean="0"/>
+              <a:t>Команда для отправки изменений на удаленный </a:t>
+            </a:r>
+            <a:r>
+              <a:rPr lang="ru-RU" sz="2000" dirty="0" err="1" smtClean="0"/>
+              <a:t>репозиторий</a:t>
+            </a:r>
+            <a:r>
+              <a:rPr lang="ru-RU" sz="2000" dirty="0" smtClean="0"/>
+              <a:t/>
+            </a:r>
+            <a:br>
+              <a:rPr lang="ru-RU" sz="2000" dirty="0" smtClean="0"/>
             </a:br>
             <a:r>
               <a:rPr lang="ru-RU" sz="2000" dirty="0"/>
@@ -3025,22 +3027,26 @@
             </a:br>
             <a:r>
               <a:rPr lang="ru-RU" sz="2000" dirty="0" smtClean="0"/>
-              <a:t>2) Как </a:t>
-            </a:r>
-            <a:r>
-              <a:rPr lang="ru-RU" sz="2000" dirty="0"/>
-              <a:t>в </a:t>
-            </a:r>
-            <a:r>
-              <a:rPr lang="ru-RU" sz="2000" dirty="0" err="1"/>
-              <a:t>Python</a:t>
-            </a:r>
-            <a:r>
-              <a:rPr lang="ru-RU" sz="2000" dirty="0"/>
-              <a:t> выполнить преобразование строки в число (например, в целое число или число с плавающей точкой)?</a:t>
-            </a:r>
-            <a:br>
-              <a:rPr lang="ru-RU" sz="2000" dirty="0"/>
+              <a:t>2) </a:t>
+            </a:r>
+            <a:r>
+              <a:rPr lang="en-US" sz="2000" dirty="0" err="1" smtClean="0"/>
+              <a:t>spisok</a:t>
+            </a:r>
+            <a:r>
+              <a:rPr lang="en-US" sz="2000" dirty="0" smtClean="0"/>
+              <a:t> = [1, 2.5, ‘I’m teacher’, True] – </a:t>
+            </a:r>
+            <a:r>
+              <a:rPr lang="ru-RU" sz="2000" dirty="0" smtClean="0"/>
+              <a:t>что тут не так?</a:t>
+            </a:r>
+            <a:r>
+              <a:rPr lang="en-US" sz="2000" dirty="0" smtClean="0"/>
+              <a:t/>
+            </a:r>
+            <a:br>
+              <a:rPr lang="en-US" sz="2000" dirty="0" smtClean="0"/>
             </a:br>
             <a:r>
               <a:rPr lang="ru-RU" sz="2000" dirty="0"/>
@@ -3051,24 +3057,48 @@
             </a:br>
             <a:r>
               <a:rPr lang="ru-RU" sz="2000" dirty="0" smtClean="0"/>
-              <a:t>3) Как </a:t>
-            </a:r>
-            <a:r>
-              <a:rPr lang="ru-RU" sz="2000" dirty="0"/>
-              <a:t>в </a:t>
-            </a:r>
-            <a:r>
-              <a:rPr lang="ru-RU" sz="2000" dirty="0" err="1"/>
-              <a:t>Python</a:t>
-            </a:r>
-            <a:r>
-              <a:rPr lang="ru-RU" sz="2000" dirty="0"/>
-              <a:t> выполнить операцию сложения (конкатенации) строки и числа</a:t>
+              <a:t>3) </a:t>
             </a:r>
             <a:r>
               <a:rPr lang="ru-RU" sz="2000" dirty="0" smtClean="0"/>
-              <a:t>?</a:t>
-            </a:r>
+              <a:t>Какой будет результат:</a:t>
+            </a:r>
+            <a:br>
+              <a:rPr lang="ru-RU" sz="2000" dirty="0" smtClean="0"/>
+            </a:br>
+            <a:r>
+              <a:rPr lang="ru-RU" sz="2000" dirty="0" smtClean="0"/>
+              <a:t>	</a:t>
+            </a:r>
+            <a:r>
+              <a:rPr lang="en-US" sz="2000" dirty="0" smtClean="0"/>
+              <a:t>a = 10</a:t>
+            </a:r>
+            <a:br>
+              <a:rPr lang="en-US" sz="2000" dirty="0" smtClean="0"/>
+            </a:br>
+            <a:r>
+              <a:rPr lang="en-US" sz="2000" dirty="0" smtClean="0"/>
+              <a:t>	</a:t>
+            </a:r>
+            <a:r>
+              <a:rPr lang="en-US" sz="2000" dirty="0" smtClean="0"/>
+              <a:t>b = 2</a:t>
+            </a:r>
+            <a:br>
+              <a:rPr lang="en-US" sz="2000" dirty="0" smtClean="0"/>
+            </a:br>
+            <a:r>
+              <a:rPr lang="en-US" sz="2000" dirty="0" smtClean="0"/>
+              <a:t>	print(a/b)</a:t>
+            </a:r>
+            <a:r>
+              <a:rPr lang="ru-RU" sz="2000" dirty="0" smtClean="0"/>
+              <a:t/>
+            </a:r>
+            <a:br>
+              <a:rPr lang="ru-RU" sz="2000" dirty="0" smtClean="0"/>
+            </a:br>
             <a:r>
               <a:rPr lang="ru-RU" sz="2000" dirty="0"/>
               <a:t/>
@@ -3077,6 +3107,65 @@
               <a:rPr lang="ru-RU" sz="2000" dirty="0"/>
             </a:br>
             <a:r>
+              <a:rPr lang="ru-RU" sz="2000" dirty="0" smtClean="0"/>
+              <a:t>4</a:t>
+            </a:r>
+            <a:r>
+              <a:rPr lang="ru-RU" sz="2000" dirty="0" smtClean="0"/>
+              <a:t>)</a:t>
+            </a:r>
+            <a:r>
+              <a:rPr lang="en-US" sz="2000" dirty="0" smtClean="0"/>
+              <a:t> </a:t>
+            </a:r>
+            <a:r>
+              <a:rPr lang="ru-RU" sz="2000" dirty="0" smtClean="0"/>
+              <a:t>как обратиться к </a:t>
+            </a:r>
+            <a:r>
+              <a:rPr lang="en-US" sz="2000" b="1" dirty="0" smtClean="0">
+                <a:solidFill>
+                  <a:srgbClr val="FF0000"/>
+                </a:solidFill>
+              </a:rPr>
+              <a:t>5 </a:t>
+            </a:r>
+            <a:r>
+              <a:rPr lang="en-US" sz="2000" dirty="0" smtClean="0"/>
+              <a:t/>
+            </a:r>
+            <a:br>
+              <a:rPr lang="en-US" sz="2000" dirty="0" smtClean="0"/>
+            </a:br>
+            <a:r>
+              <a:rPr lang="en-US" sz="2000" dirty="0" smtClean="0"/>
+              <a:t>	</a:t>
+            </a:r>
+            <a:r>
+              <a:rPr lang="en-US" sz="2000" dirty="0" err="1" smtClean="0"/>
+              <a:t>spisok</a:t>
+            </a:r>
+            <a:r>
+              <a:rPr lang="ru-RU" sz="2000" dirty="0" smtClean="0"/>
+              <a:t> = </a:t>
+            </a:r>
+            <a:r>
+              <a:rPr lang="en-US" sz="2000" dirty="0" smtClean="0"/>
+              <a:t>[1, 2, 1, 3, 4, </a:t>
+            </a:r>
+            <a:r>
+              <a:rPr lang="en-US" sz="2000" b="1" dirty="0" smtClean="0">
+                <a:solidFill>
+                  <a:srgbClr val="FF0000"/>
+                </a:solidFill>
+              </a:rPr>
+              <a:t>5</a:t>
+            </a:r>
+            <a:r>
+              <a:rPr lang="en-US" sz="2000" dirty="0" smtClean="0"/>
+              <a:t>, 6, 7, 9, 10]</a:t>
+            </a:r>
+            <a:r>
               <a:rPr lang="ru-RU" sz="2000" dirty="0"/>
               <a:t/>
             </a:r>
@@ -3084,22 +3173,6 @@
               <a:rPr lang="ru-RU" sz="2000" dirty="0"/>
             </a:br>
             <a:r>
-              <a:rPr lang="ru-RU" sz="2000" dirty="0" smtClean="0"/>
-              <a:t>4) Какие </a:t>
-            </a:r>
-            <a:r>
-              <a:rPr lang="ru-RU" sz="2000" dirty="0"/>
-              <a:t>операторы сравнения используются для сравнения чисел в </a:t>
-            </a:r>
-            <a:r>
-              <a:rPr lang="ru-RU" sz="2000" dirty="0" err="1"/>
-              <a:t>Python</a:t>
-            </a:r>
-            <a:r>
-              <a:rPr lang="ru-RU" sz="2000" dirty="0" smtClean="0"/>
-              <a:t>?</a:t>
-            </a:r>
-            <a:r>
               <a:rPr lang="ru-RU" sz="2000" dirty="0"/>
               <a:t/>
             </a:r>
@@ -3107,6 +3180,22 @@
               <a:rPr lang="ru-RU" sz="2000" dirty="0"/>
             </a:br>
             <a:r>
+              <a:rPr lang="ru-RU" sz="2000" dirty="0" smtClean="0"/>
+              <a:t>5</a:t>
+            </a:r>
+            <a:r>
+              <a:rPr lang="ru-RU" sz="2000" dirty="0"/>
+              <a:t>) как получить </a:t>
+            </a:r>
+            <a:r>
+              <a:rPr lang="ru-RU" sz="2000" b="1" dirty="0">
+                <a:solidFill>
+                  <a:srgbClr val="FF0000"/>
+                </a:solidFill>
+              </a:rPr>
+              <a:t>[1, 3, 4, 5, 6]</a:t>
+            </a:r>
+            <a:r>
               <a:rPr lang="ru-RU" sz="2000" dirty="0"/>
               <a:t/>
             </a:r>
@@ -3115,23 +3204,24 @@
             </a:br>
             <a:r>
               <a:rPr lang="ru-RU" sz="2000" dirty="0" smtClean="0"/>
-              <a:t>5) Как </a:t>
+              <a:t>	</a:t>
+            </a:r>
+            <a:r>
+              <a:rPr lang="ru-RU" sz="2000" dirty="0" err="1" smtClean="0"/>
+              <a:t>spisok</a:t>
+            </a:r>
+            <a:r>
+              <a:rPr lang="ru-RU" sz="2000" dirty="0" smtClean="0"/>
+              <a:t> </a:t>
             </a:r>
             <a:r>
               <a:rPr lang="ru-RU" sz="2000" dirty="0"/>
-              <a:t>создать комментарий (краткое пояснение) в </a:t>
-            </a:r>
-            <a:r>
-              <a:rPr lang="ru-RU" sz="2000" dirty="0" err="1"/>
-              <a:t>Python</a:t>
-            </a:r>
-            <a:r>
-              <a:rPr lang="ru-RU" sz="2000" dirty="0"/>
-              <a:t> для описания строки кода?</a:t>
-            </a:r>
-            <a:br>
-              <a:rPr lang="ru-RU" sz="2000" dirty="0"/>
-            </a:br>
+              <a:t>= [1, 2, 1, 3, 4, 5, 6, 7, 9, 10</a:t>
+            </a:r>
+            <a:r>
+              <a:rPr lang="ru-RU" sz="2000" dirty="0" smtClean="0"/>
+              <a:t>]</a:t>
+            </a:r>
             <a:r>
               <a:rPr lang="en-US" sz="2000" dirty="0" smtClean="0"/>
               <a:t/>
@@ -3148,73 +3238,46 @@
             </a:br>
             <a:r>
               <a:rPr lang="ru-RU" sz="2000" dirty="0" smtClean="0"/>
-              <a:t>6)</a:t>
-            </a:r>
+              <a:t>6</a:t>
+            </a:r>
+            <a:r>
+              <a:rPr lang="ru-RU" sz="2000" dirty="0"/>
+              <a:t>) </a:t>
+            </a:r>
+            <a:r>
+              <a:rPr lang="ru-RU" sz="2000" dirty="0" err="1"/>
+              <a:t>spisok</a:t>
+            </a:r>
+            <a:r>
+              <a:rPr lang="ru-RU" sz="2000" dirty="0"/>
+              <a:t> = [1, 2, 1, 3, 4, 5, 6, 7, 9, 10]</a:t>
+            </a:r>
+            <a:r>
+              <a:rPr lang="en-US" sz="2000" dirty="0"/>
+              <a:t/>
+            </a:r>
+            <a:br>
+              <a:rPr lang="en-US" sz="2000" dirty="0"/>
+            </a:br>
             <a:r>
               <a:rPr lang="en-US" sz="2000" dirty="0" smtClean="0"/>
               <a:t>	</a:t>
             </a:r>
             <a:r>
-              <a:rPr lang="en-US" sz="2000" dirty="0" smtClean="0">
-                <a:solidFill>
-                  <a:srgbClr val="FF0000"/>
-                </a:solidFill>
-              </a:rPr>
-              <a:t>num_1 = </a:t>
-            </a:r>
-            <a:r>
-              <a:rPr lang="ru-RU" sz="2000" dirty="0" smtClean="0">
-                <a:solidFill>
-                  <a:srgbClr val="FF0000"/>
-                </a:solidFill>
-              </a:rPr>
-              <a:t>13</a:t>
-            </a:r>
-            <a:r>
-              <a:rPr lang="en-US" sz="2000" dirty="0" smtClean="0">
-                <a:solidFill>
-                  <a:srgbClr val="FF0000"/>
-                </a:solidFill>
-              </a:rPr>
-              <a:t/>
-            </a:r>
-            <a:br>
-              <a:rPr lang="en-US" sz="2000" dirty="0" smtClean="0">
-                <a:solidFill>
-                  <a:srgbClr val="FF0000"/>
-                </a:solidFill>
-              </a:rPr>
-            </a:br>
-            <a:r>
-              <a:rPr lang="en-US" sz="2000" dirty="0" smtClean="0">
-                <a:solidFill>
-                  <a:srgbClr val="FF0000"/>
-                </a:solidFill>
-              </a:rPr>
-              <a:t>	num_2 = 6</a:t>
-            </a:r>
-            <a:br>
-              <a:rPr lang="en-US" sz="2000" dirty="0" smtClean="0">
-                <a:solidFill>
-                  <a:srgbClr val="FF0000"/>
-                </a:solidFill>
-              </a:rPr>
-            </a:br>
-            <a:r>
-              <a:rPr lang="en-US" sz="2000" dirty="0">
-                <a:solidFill>
-                  <a:srgbClr val="FF0000"/>
-                </a:solidFill>
-              </a:rPr>
-              <a:t>	</a:t>
-            </a:r>
-            <a:r>
-              <a:rPr lang="en-US" sz="2000" dirty="0" smtClean="0">
-                <a:solidFill>
-                  <a:srgbClr val="00B050"/>
-                </a:solidFill>
-              </a:rPr>
-              <a:t>print(num_1//num_2)</a:t>
+              <a:rPr lang="ru-RU" sz="2000" dirty="0" smtClean="0"/>
+              <a:t>что </a:t>
+            </a:r>
+            <a:r>
+              <a:rPr lang="ru-RU" sz="2000" dirty="0"/>
+              <a:t>вернет </a:t>
+            </a:r>
+            <a:r>
+              <a:rPr lang="ru-RU" sz="2000" dirty="0" err="1" smtClean="0"/>
+              <a:t>spisok</a:t>
+            </a:r>
+            <a:r>
+              <a:rPr lang="en-US" sz="2000" dirty="0" smtClean="0"/>
+              <a:t>[-3]</a:t>
             </a:r>
             <a:r>
               <a:rPr lang="ru-RU" sz="2000" dirty="0" smtClean="0"/>
@@ -3224,6 +3287,29 @@
               <a:rPr lang="ru-RU" sz="2000" dirty="0" smtClean="0"/>
             </a:br>
             <a:r>
+              <a:rPr lang="ru-RU" sz="2000" dirty="0"/>
+              <a:t/>
+            </a:r>
+            <a:br>
+              <a:rPr lang="ru-RU" sz="2000" dirty="0"/>
+            </a:br>
+            <a:r>
+              <a:rPr lang="ru-RU" sz="2000" dirty="0" smtClean="0"/>
+              <a:t>7)</a:t>
+            </a:r>
+            <a:r>
+              <a:rPr lang="ru-RU" sz="2000" dirty="0" smtClean="0"/>
+              <a:t>Напишите </a:t>
+            </a:r>
+            <a:r>
+              <a:rPr lang="ru-RU" sz="2000" dirty="0" err="1" smtClean="0"/>
+              <a:t>булевые</a:t>
+            </a:r>
+            <a:r>
+              <a:rPr lang="ru-RU" sz="2000" dirty="0" smtClean="0"/>
+              <a:t> переменные:</a:t>
+            </a:r>
+            <a:r>
               <a:rPr lang="en-US" sz="2000" dirty="0" smtClean="0"/>
               <a:t/>
             </a:r>
@@ -3231,121 +3317,56 @@
               <a:rPr lang="en-US" sz="2000" dirty="0" smtClean="0"/>
             </a:br>
             <a:r>
+              <a:rPr lang="en-US" sz="2000" dirty="0"/>
+              <a:t/>
+            </a:r>
+            <a:br>
+              <a:rPr lang="en-US" sz="2000" dirty="0"/>
+            </a:br>
+            <a:r>
+              <a:rPr lang="en-US" sz="2000" dirty="0" smtClean="0"/>
+              <a:t>8) </a:t>
+            </a:r>
+            <a:r>
+              <a:rPr lang="ru-RU" sz="2000" dirty="0" smtClean="0"/>
+              <a:t>Напишите как выглядит в </a:t>
+            </a:r>
+            <a:r>
+              <a:rPr lang="en-US" sz="2000" dirty="0" smtClean="0"/>
+              <a:t>Python: </a:t>
+            </a:r>
+            <a:r>
+              <a:rPr lang="ru-RU" sz="2000" dirty="0" smtClean="0"/>
+              <a:t/>
+            </a:r>
+            <a:br>
+              <a:rPr lang="ru-RU" sz="2000" dirty="0" smtClean="0"/>
+            </a:br>
+            <a:r>
+              <a:rPr lang="ru-RU" sz="2000" dirty="0" smtClean="0"/>
+              <a:t>«</a:t>
+            </a:r>
+            <a:r>
               <a:rPr lang="ru-RU" sz="2000" dirty="0"/>
-              <a:t/>
-            </a:r>
-            <a:br>
-              <a:rPr lang="ru-RU" sz="2000" dirty="0"/>
-            </a:br>
+              <a:t>а» </a:t>
+            </a:r>
             <a:r>
               <a:rPr lang="ru-RU" sz="2000" dirty="0" smtClean="0"/>
-              <a:t>7) </a:t>
-            </a:r>
-            <a:r>
-              <a:rPr lang="en-US" sz="2000" dirty="0" smtClean="0"/>
-              <a:t>	</a:t>
-            </a:r>
-            <a:r>
-              <a:rPr lang="en-US" sz="2000" dirty="0" smtClean="0">
-                <a:solidFill>
-                  <a:srgbClr val="FF0000"/>
-                </a:solidFill>
-              </a:rPr>
-              <a:t>num_3 </a:t>
-            </a:r>
-            <a:r>
-              <a:rPr lang="en-US" sz="2000" dirty="0">
-                <a:solidFill>
-                  <a:srgbClr val="FF0000"/>
-                </a:solidFill>
-              </a:rPr>
-              <a:t>= </a:t>
-            </a:r>
-            <a:r>
-              <a:rPr lang="en-US" sz="2000" dirty="0" smtClean="0">
-                <a:solidFill>
-                  <a:srgbClr val="FF0000"/>
-                </a:solidFill>
-              </a:rPr>
-              <a:t>25</a:t>
-            </a:r>
-            <a:r>
-              <a:rPr lang="en-US" sz="2000" dirty="0">
-                <a:solidFill>
-                  <a:srgbClr val="FF0000"/>
-                </a:solidFill>
-              </a:rPr>
-              <a:t/>
-            </a:r>
-            <a:br>
-              <a:rPr lang="en-US" sz="2000" dirty="0">
-                <a:solidFill>
-                  <a:srgbClr val="FF0000"/>
-                </a:solidFill>
-              </a:rPr>
-            </a:br>
-            <a:r>
-              <a:rPr lang="en-US" sz="2000" dirty="0">
-                <a:solidFill>
-                  <a:srgbClr val="FF0000"/>
-                </a:solidFill>
-              </a:rPr>
-              <a:t>	</a:t>
-            </a:r>
-            <a:r>
-              <a:rPr lang="en-US" sz="2000" dirty="0" smtClean="0">
-                <a:solidFill>
-                  <a:srgbClr val="FF0000"/>
-                </a:solidFill>
-              </a:rPr>
-              <a:t>num_4 </a:t>
-            </a:r>
-            <a:r>
-              <a:rPr lang="en-US" sz="2000" dirty="0">
-                <a:solidFill>
-                  <a:srgbClr val="FF0000"/>
-                </a:solidFill>
-              </a:rPr>
-              <a:t>= </a:t>
-            </a:r>
-            <a:r>
-              <a:rPr lang="en-US" sz="2000" dirty="0" smtClean="0">
-                <a:solidFill>
-                  <a:srgbClr val="FF0000"/>
-                </a:solidFill>
-              </a:rPr>
-              <a:t>8</a:t>
-            </a:r>
-            <a:r>
-              <a:rPr lang="en-US" sz="2000" dirty="0">
-                <a:solidFill>
-                  <a:srgbClr val="FF0000"/>
-                </a:solidFill>
-              </a:rPr>
-              <a:t/>
-            </a:r>
-            <a:br>
-              <a:rPr lang="en-US" sz="2000" dirty="0">
-                <a:solidFill>
-                  <a:srgbClr val="FF0000"/>
-                </a:solidFill>
-              </a:rPr>
-            </a:br>
-            <a:r>
-              <a:rPr lang="en-US" sz="2000" dirty="0">
-                <a:solidFill>
-                  <a:srgbClr val="FF0000"/>
-                </a:solidFill>
-              </a:rPr>
-              <a:t>	</a:t>
-            </a:r>
-            <a:r>
-              <a:rPr lang="en-US" sz="2000" dirty="0" smtClean="0">
-                <a:solidFill>
-                  <a:srgbClr val="00B050"/>
-                </a:solidFill>
-              </a:rPr>
-              <a:t>print(num_3%num_4)</a:t>
+              <a:t>равна 24</a:t>
+            </a:r>
+            <a:br>
+              <a:rPr lang="ru-RU" sz="2000" dirty="0" smtClean="0"/>
+            </a:br>
+            <a:r>
+              <a:rPr lang="ru-RU" sz="2000" dirty="0" smtClean="0"/>
+              <a:t>«б» равна 7</a:t>
+            </a:r>
+            <a:br>
+              <a:rPr lang="ru-RU" sz="2000" dirty="0" smtClean="0"/>
+            </a:br>
+            <a:r>
+              <a:rPr lang="ru-RU" sz="2000" dirty="0" smtClean="0"/>
+              <a:t>если «а» не равно 7, то напечатай остаток от деления «а» на «б» </a:t>
             </a:r>
             <a:endParaRPr lang="ru-RU" sz="2000" dirty="0">
               <a:solidFill>
@@ -3385,10 +3406,75 @@
           <a:chExt cx="0" cy="0"/>
         </a:xfrm>
       </p:grpSpPr>
+      <p:sp>
+        <p:nvSpPr>
+          <p:cNvPr id="3" name="Объект 2"/>
+          <p:cNvSpPr>
+            <a:spLocks noGrp="1"/>
+          </p:cNvSpPr>
+          <p:nvPr>
+            <p:ph idx="1"/>
+          </p:nvPr>
+        </p:nvSpPr>
+        <p:spPr>
+          <a:xfrm>
+            <a:off x="821108" y="1466702"/>
+            <a:ext cx="10515600" cy="4351338"/>
+          </a:xfrm>
+        </p:spPr>
+        <p:txBody>
+          <a:bodyPr/>
+          <a:lstStyle/>
+          <a:p>
+            <a:r>
+              <a:rPr lang="ru-RU" dirty="0"/>
+              <a:t>1) Команда для отправки изменений на удаленный </a:t>
+            </a:r>
+            <a:r>
+              <a:rPr lang="ru-RU" dirty="0" err="1" smtClean="0"/>
+              <a:t>репозиторий</a:t>
+            </a:r>
+            <a:r>
+              <a:rPr lang="ru-RU" dirty="0" smtClean="0"/>
+              <a:t/>
+            </a:r>
+            <a:br>
+              <a:rPr lang="ru-RU" dirty="0" smtClean="0"/>
+            </a:br>
+            <a:r>
+              <a:rPr lang="en-US" dirty="0" smtClean="0"/>
+              <a:t/>
+            </a:r>
+            <a:br>
+              <a:rPr lang="en-US" dirty="0" smtClean="0"/>
+            </a:br>
+            <a:r>
+              <a:rPr lang="en-US" dirty="0" smtClean="0"/>
+              <a:t/>
+            </a:r>
+            <a:br>
+              <a:rPr lang="en-US" dirty="0" smtClean="0"/>
+            </a:br>
+            <a:r>
+              <a:rPr lang="en-US" b="1" dirty="0" smtClean="0">
+                <a:solidFill>
+                  <a:srgbClr val="FF0000"/>
+                </a:solidFill>
+              </a:rPr>
+              <a:t>GIT PUSH</a:t>
+            </a:r>
+            <a:endParaRPr lang="ru-RU" b="1" dirty="0">
+              <a:solidFill>
+                <a:srgbClr val="FF0000"/>
+              </a:solidFill>
+            </a:endParaRPr>
+          </a:p>
+        </p:txBody>
+      </p:sp>
     </p:spTree>
     <p:extLst>
       <p:ext uri="{BB962C8B-B14F-4D97-AF65-F5344CB8AC3E}">
-        <p14:creationId xmlns:p14="http://schemas.microsoft.com/office/powerpoint/2010/main" val="1484894841"/>
+        <p14:creationId xmlns:p14="http://schemas.microsoft.com/office/powerpoint/2010/main" val="2524089102"/>
       </p:ext>
     </p:extLst>
   </p:cSld>
@@ -3415,10 +3501,197 @@
           <a:chExt cx="0" cy="0"/>
         </a:xfrm>
       </p:grpSpPr>
+      <p:sp>
+        <p:nvSpPr>
+          <p:cNvPr id="3" name="Объект 2"/>
+          <p:cNvSpPr>
+            <a:spLocks noGrp="1"/>
+          </p:cNvSpPr>
+          <p:nvPr>
+            <p:ph idx="1"/>
+          </p:nvPr>
+        </p:nvSpPr>
+        <p:spPr>
+          <a:xfrm>
+            <a:off x="821108" y="1466702"/>
+            <a:ext cx="10515600" cy="4351338"/>
+          </a:xfrm>
+        </p:spPr>
+        <p:txBody>
+          <a:bodyPr>
+            <a:normAutofit/>
+          </a:bodyPr>
+          <a:lstStyle/>
+          <a:p>
+            <a:pPr marL="0" indent="0">
+              <a:buNone/>
+            </a:pPr>
+            <a:r>
+              <a:rPr lang="ru-RU" dirty="0"/>
+              <a:t>2) </a:t>
+            </a:r>
+            <a:r>
+              <a:rPr lang="en-US" dirty="0" err="1"/>
+              <a:t>spisok</a:t>
+            </a:r>
+            <a:r>
+              <a:rPr lang="en-US" dirty="0"/>
+              <a:t> = [1, 2.5, ‘I’m teacher’, True] – </a:t>
+            </a:r>
+            <a:r>
+              <a:rPr lang="ru-RU" dirty="0"/>
+              <a:t>что тут не так</a:t>
+            </a:r>
+            <a:r>
+              <a:rPr lang="ru-RU" dirty="0" smtClean="0"/>
+              <a:t>?</a:t>
+            </a:r>
+            <a:br>
+              <a:rPr lang="ru-RU" dirty="0" smtClean="0"/>
+            </a:br>
+            <a:r>
+              <a:rPr lang="en-US" dirty="0" smtClean="0"/>
+              <a:t/>
+            </a:r>
+            <a:br>
+              <a:rPr lang="en-US" dirty="0" smtClean="0"/>
+            </a:br>
+            <a:r>
+              <a:rPr lang="en-US" dirty="0" smtClean="0"/>
+              <a:t/>
+            </a:r>
+            <a:br>
+              <a:rPr lang="en-US" dirty="0" smtClean="0"/>
+            </a:br>
+            <a:r>
+              <a:rPr lang="ru-RU" dirty="0"/>
+              <a:t>В строке '</a:t>
+            </a:r>
+            <a:r>
+              <a:rPr lang="ru-RU" dirty="0" err="1"/>
+              <a:t>I’m</a:t>
+            </a:r>
+            <a:r>
+              <a:rPr lang="ru-RU" dirty="0"/>
+              <a:t> </a:t>
+            </a:r>
+            <a:r>
+              <a:rPr lang="ru-RU" dirty="0" err="1"/>
+              <a:t>teacher</a:t>
+            </a:r>
+            <a:r>
+              <a:rPr lang="ru-RU" dirty="0"/>
+              <a:t>' используется апостроф (') внутри строки, который интерпретируется как конец строки. Это вызовет синтаксическую ошибку</a:t>
+            </a:r>
+            <a:r>
+              <a:rPr lang="ru-RU" dirty="0" smtClean="0"/>
+              <a:t>.</a:t>
+            </a:r>
+            <a:r>
+              <a:rPr lang="en-US" dirty="0" smtClean="0"/>
+              <a:t/>
+            </a:r>
+            <a:br>
+              <a:rPr lang="en-US" dirty="0" smtClean="0"/>
+            </a:br>
+            <a:r>
+              <a:rPr lang="ru-RU" dirty="0" smtClean="0"/>
+              <a:t>Чтобы </a:t>
+            </a:r>
+            <a:r>
+              <a:rPr lang="ru-RU" dirty="0"/>
+              <a:t>исправить это, вы можете использовать двойные кавычки (") вместо одинарных внутри строки:</a:t>
+            </a:r>
+          </a:p>
+          <a:p>
+            <a:pPr marL="0" indent="0">
+              <a:buNone/>
+            </a:pPr>
+            <a:endParaRPr lang="en-US" dirty="0" smtClean="0"/>
+          </a:p>
+          <a:p>
+            <a:pPr marL="0" indent="0">
+              <a:buNone/>
+            </a:pPr>
+            <a:r>
+              <a:rPr lang="ru-RU" b="1" dirty="0" err="1" smtClean="0">
+                <a:solidFill>
+                  <a:srgbClr val="FF0000"/>
+                </a:solidFill>
+              </a:rPr>
+              <a:t>spisok</a:t>
+            </a:r>
+            <a:r>
+              <a:rPr lang="ru-RU" b="1" dirty="0" smtClean="0">
+                <a:solidFill>
+                  <a:srgbClr val="FF0000"/>
+                </a:solidFill>
+              </a:rPr>
+              <a:t> </a:t>
+            </a:r>
+            <a:r>
+              <a:rPr lang="ru-RU" b="1" dirty="0">
+                <a:solidFill>
+                  <a:srgbClr val="FF0000"/>
+                </a:solidFill>
+              </a:rPr>
+              <a:t>= [1, 2.5, "</a:t>
+            </a:r>
+            <a:r>
+              <a:rPr lang="ru-RU" b="1" dirty="0" err="1">
+                <a:solidFill>
+                  <a:srgbClr val="FF0000"/>
+                </a:solidFill>
+              </a:rPr>
+              <a:t>I'm</a:t>
+            </a:r>
+            <a:r>
+              <a:rPr lang="ru-RU" b="1" dirty="0">
+                <a:solidFill>
+                  <a:srgbClr val="FF0000"/>
+                </a:solidFill>
+              </a:rPr>
+              <a:t> </a:t>
+            </a:r>
+            <a:r>
+              <a:rPr lang="ru-RU" b="1" dirty="0" err="1">
+                <a:solidFill>
+                  <a:srgbClr val="FF0000"/>
+                </a:solidFill>
+              </a:rPr>
+              <a:t>teacher</a:t>
+            </a:r>
+            <a:r>
+              <a:rPr lang="ru-RU" b="1" dirty="0">
+                <a:solidFill>
+                  <a:srgbClr val="FF0000"/>
+                </a:solidFill>
+              </a:rPr>
+              <a:t>", </a:t>
+            </a:r>
+            <a:r>
+              <a:rPr lang="ru-RU" b="1" dirty="0" err="1">
+                <a:solidFill>
+                  <a:srgbClr val="FF0000"/>
+                </a:solidFill>
+              </a:rPr>
+              <a:t>True</a:t>
+            </a:r>
+            <a:r>
+              <a:rPr lang="ru-RU" b="1" dirty="0">
+                <a:solidFill>
+                  <a:srgbClr val="FF0000"/>
+                </a:solidFill>
+              </a:rPr>
+              <a:t>]</a:t>
+            </a:r>
+          </a:p>
+        </p:txBody>
+      </p:sp>
     </p:spTree>
     <p:extLst>
       <p:ext uri="{BB962C8B-B14F-4D97-AF65-F5344CB8AC3E}">
-        <p14:creationId xmlns:p14="http://schemas.microsoft.com/office/powerpoint/2010/main" val="353374008"/>
+        <p14:creationId xmlns:p14="http://schemas.microsoft.com/office/powerpoint/2010/main" val="4291451147"/>
       </p:ext>
     </p:extLst>
   </p:cSld>
@@ -3447,25 +3720,6 @@
       </p:grpSpPr>
       <p:sp>
         <p:nvSpPr>
-          <p:cNvPr id="2" name="Заголовок 1"/>
-          <p:cNvSpPr>
-            <a:spLocks noGrp="1"/>
-          </p:cNvSpPr>
-          <p:nvPr>
-            <p:ph type="title"/>
-          </p:nvPr>
-        </p:nvSpPr>
-        <p:spPr/>
-        <p:txBody>
-          <a:bodyPr/>
-          <a:lstStyle/>
-          <a:p>
-            <a:endParaRPr lang="ru-RU"/>
-          </a:p>
-        </p:txBody>
-      </p:sp>
-      <p:sp>
-        <p:nvSpPr>
           <p:cNvPr id="3" name="Объект 2"/>
           <p:cNvSpPr>
             <a:spLocks noGrp="1"/>
@@ -3474,19 +3728,101 @@
             <p:ph idx="1"/>
           </p:nvPr>
         </p:nvSpPr>
-        <p:spPr/>
-        <p:txBody>
-          <a:bodyPr/>
-          <a:lstStyle/>
-          <a:p>
-            <a:endParaRPr lang="ru-RU"/>
+        <p:spPr>
+          <a:xfrm>
+            <a:off x="821108" y="1466702"/>
+            <a:ext cx="10515600" cy="4351338"/>
+          </a:xfrm>
+        </p:spPr>
+        <p:txBody>
+          <a:bodyPr/>
+          <a:lstStyle/>
+          <a:p>
+            <a:pPr marL="0" indent="0">
+              <a:buNone/>
+            </a:pPr>
+            <a:r>
+              <a:rPr lang="ru-RU" dirty="0"/>
+              <a:t>Какой будет результат:</a:t>
+            </a:r>
+            <a:br>
+              <a:rPr lang="ru-RU" dirty="0"/>
+            </a:br>
+            <a:r>
+              <a:rPr lang="ru-RU" dirty="0"/>
+              <a:t>	</a:t>
+            </a:r>
+            <a:r>
+              <a:rPr lang="en-US" dirty="0"/>
+              <a:t>a = 10</a:t>
+            </a:r>
+            <a:br>
+              <a:rPr lang="en-US" dirty="0"/>
+            </a:br>
+            <a:r>
+              <a:rPr lang="en-US" dirty="0"/>
+              <a:t>	b = 2</a:t>
+            </a:r>
+            <a:br>
+              <a:rPr lang="en-US" dirty="0"/>
+            </a:br>
+            <a:r>
+              <a:rPr lang="en-US" dirty="0"/>
+              <a:t>	print(a/b</a:t>
+            </a:r>
+            <a:r>
+              <a:rPr lang="en-US" dirty="0" smtClean="0"/>
+              <a:t>)</a:t>
+            </a:r>
+            <a:br>
+              <a:rPr lang="en-US" dirty="0" smtClean="0"/>
+            </a:br>
+            <a:r>
+              <a:rPr lang="en-US" dirty="0" smtClean="0"/>
+              <a:t/>
+            </a:r>
+            <a:br>
+              <a:rPr lang="en-US" dirty="0" smtClean="0"/>
+            </a:br>
+            <a:r>
+              <a:rPr lang="ru-RU" dirty="0"/>
+              <a:t>Результат вычисления 10/2 в </a:t>
+            </a:r>
+            <a:r>
+              <a:rPr lang="ru-RU" dirty="0" err="1"/>
+              <a:t>Python</a:t>
+            </a:r>
+            <a:r>
+              <a:rPr lang="ru-RU" dirty="0"/>
+              <a:t> равен 5.0. Это потому, что оператор / выполняет деление с плавающей запятой, даже если результат является целым числом. </a:t>
+            </a:r>
+            <a:r>
+              <a:rPr lang="en-US" dirty="0" smtClean="0"/>
+              <a:t/>
+            </a:r>
+            <a:br>
+              <a:rPr lang="en-US" dirty="0" smtClean="0"/>
+            </a:br>
+            <a:r>
+              <a:rPr lang="en-US" b="1" dirty="0" smtClean="0">
+                <a:solidFill>
+                  <a:srgbClr val="FF0000"/>
+                </a:solidFill>
+              </a:rPr>
+              <a:t>5.0</a:t>
+            </a:r>
+            <a:endParaRPr lang="ru-RU" b="1" dirty="0">
+              <a:solidFill>
+                <a:srgbClr val="FF0000"/>
+              </a:solidFill>
+            </a:endParaRPr>
           </a:p>
         </p:txBody>
       </p:sp>
     </p:spTree>
     <p:extLst>
       <p:ext uri="{BB962C8B-B14F-4D97-AF65-F5344CB8AC3E}">
-        <p14:creationId xmlns:p14="http://schemas.microsoft.com/office/powerpoint/2010/main" val="895906993"/>
+        <p14:creationId xmlns:p14="http://schemas.microsoft.com/office/powerpoint/2010/main" val="500428499"/>
       </p:ext>
     </p:extLst>
   </p:cSld>
@@ -3515,25 +3851,6 @@
       </p:grpSpPr>
       <p:sp>
         <p:nvSpPr>
-          <p:cNvPr id="2" name="Заголовок 1"/>
-          <p:cNvSpPr>
-            <a:spLocks noGrp="1"/>
-          </p:cNvSpPr>
-          <p:nvPr>
-            <p:ph type="title"/>
-          </p:nvPr>
-        </p:nvSpPr>
-        <p:spPr/>
-        <p:txBody>
-          <a:bodyPr/>
-          <a:lstStyle/>
-          <a:p>
-            <a:endParaRPr lang="ru-RU"/>
-          </a:p>
-        </p:txBody>
-      </p:sp>
-      <p:sp>
-        <p:nvSpPr>
           <p:cNvPr id="3" name="Объект 2"/>
           <p:cNvSpPr>
             <a:spLocks noGrp="1"/>
@@ -3542,19 +3859,153 @@
             <p:ph idx="1"/>
           </p:nvPr>
         </p:nvSpPr>
-        <p:spPr/>
-        <p:txBody>
-          <a:bodyPr/>
-          <a:lstStyle/>
-          <a:p>
-            <a:endParaRPr lang="ru-RU"/>
+        <p:spPr>
+          <a:xfrm>
+            <a:off x="821108" y="1466702"/>
+            <a:ext cx="10515600" cy="4351338"/>
+          </a:xfrm>
+        </p:spPr>
+        <p:txBody>
+          <a:bodyPr/>
+          <a:lstStyle/>
+          <a:p>
+            <a:pPr marL="0" indent="0">
+              <a:buNone/>
+            </a:pPr>
+            <a:r>
+              <a:rPr lang="ru-RU" dirty="0" smtClean="0"/>
+              <a:t>как </a:t>
+            </a:r>
+            <a:r>
+              <a:rPr lang="ru-RU" dirty="0"/>
+              <a:t>обратиться </a:t>
+            </a:r>
+            <a:r>
+              <a:rPr lang="ru-RU" dirty="0" smtClean="0"/>
+              <a:t>к</a:t>
+            </a:r>
+            <a:r>
+              <a:rPr lang="en-US" dirty="0" smtClean="0"/>
+              <a:t> </a:t>
+            </a:r>
+            <a:r>
+              <a:rPr lang="en-US" b="1" dirty="0" smtClean="0">
+                <a:solidFill>
+                  <a:srgbClr val="FF0000"/>
+                </a:solidFill>
+              </a:rPr>
+              <a:t>5</a:t>
+            </a:r>
+            <a:r>
+              <a:rPr lang="en-US" dirty="0" smtClean="0"/>
+              <a:t/>
+            </a:r>
+            <a:br>
+              <a:rPr lang="en-US" dirty="0" smtClean="0"/>
+            </a:br>
+            <a:r>
+              <a:rPr lang="en-US" dirty="0" err="1" smtClean="0"/>
+              <a:t>spisok</a:t>
+            </a:r>
+            <a:r>
+              <a:rPr lang="ru-RU" dirty="0" smtClean="0"/>
+              <a:t> </a:t>
+            </a:r>
+            <a:r>
+              <a:rPr lang="ru-RU" dirty="0"/>
+              <a:t>= </a:t>
+            </a:r>
+            <a:r>
+              <a:rPr lang="en-US" dirty="0"/>
+              <a:t>[1, 2, 1, 3, 4, </a:t>
+            </a:r>
+            <a:r>
+              <a:rPr lang="en-US" b="1" dirty="0">
+                <a:solidFill>
+                  <a:srgbClr val="FF0000"/>
+                </a:solidFill>
+              </a:rPr>
+              <a:t>5</a:t>
+            </a:r>
+            <a:r>
+              <a:rPr lang="en-US" dirty="0"/>
+              <a:t>, 6, 7, 9, 10]</a:t>
+            </a:r>
+            <a:r>
+              <a:rPr lang="ru-RU" dirty="0" smtClean="0"/>
+              <a:t/>
+            </a:r>
+            <a:br>
+              <a:rPr lang="ru-RU" dirty="0" smtClean="0"/>
+            </a:br>
+            <a:r>
+              <a:rPr lang="en-US" dirty="0" smtClean="0"/>
+              <a:t/>
+            </a:r>
+            <a:br>
+              <a:rPr lang="en-US" dirty="0" smtClean="0"/>
+            </a:br>
+            <a:endParaRPr lang="en-US" dirty="0" smtClean="0"/>
+          </a:p>
+          <a:p>
+            <a:pPr marL="0" indent="0">
+              <a:buNone/>
+            </a:pPr>
+            <a:endParaRPr lang="en-US" dirty="0"/>
+          </a:p>
+          <a:p>
+            <a:pPr marL="0" indent="0">
+              <a:buNone/>
+            </a:pPr>
+            <a:endParaRPr lang="en-US" dirty="0" smtClean="0"/>
+          </a:p>
+          <a:p>
+            <a:pPr marL="0" indent="0">
+              <a:buNone/>
+            </a:pPr>
+            <a:r>
+              <a:rPr lang="en-US" dirty="0" smtClean="0"/>
+              <a:t/>
+            </a:r>
+            <a:br>
+              <a:rPr lang="en-US" dirty="0" smtClean="0"/>
+            </a:br>
+            <a:r>
+              <a:rPr lang="en-US" b="1" dirty="0">
+                <a:solidFill>
+                  <a:srgbClr val="FF0000"/>
+                </a:solidFill>
+              </a:rPr>
+              <a:t>element = </a:t>
+            </a:r>
+            <a:r>
+              <a:rPr lang="en-US" b="1" dirty="0" err="1">
+                <a:solidFill>
+                  <a:srgbClr val="FF0000"/>
+                </a:solidFill>
+              </a:rPr>
+              <a:t>spisok</a:t>
+            </a:r>
+            <a:r>
+              <a:rPr lang="en-US" b="1" dirty="0">
+                <a:solidFill>
+                  <a:srgbClr val="FF0000"/>
+                </a:solidFill>
+              </a:rPr>
+              <a:t>[5]</a:t>
+            </a:r>
+            <a:endParaRPr lang="ru-RU" b="1" dirty="0">
+              <a:solidFill>
+                <a:srgbClr val="FF0000"/>
+              </a:solidFill>
+            </a:endParaRPr>
           </a:p>
         </p:txBody>
       </p:sp>
     </p:spTree>
     <p:extLst>
       <p:ext uri="{BB962C8B-B14F-4D97-AF65-F5344CB8AC3E}">
-        <p14:creationId xmlns:p14="http://schemas.microsoft.com/office/powerpoint/2010/main" val="566404133"/>
+        <p14:creationId xmlns:p14="http://schemas.microsoft.com/office/powerpoint/2010/main" val="3067119191"/>
       </p:ext>
     </p:extLst>
   </p:cSld>
@@ -3583,25 +4034,6 @@
       </p:grpSpPr>
       <p:sp>
         <p:nvSpPr>
-          <p:cNvPr id="2" name="Заголовок 1"/>
-          <p:cNvSpPr>
-            <a:spLocks noGrp="1"/>
-          </p:cNvSpPr>
-          <p:nvPr>
-            <p:ph type="title"/>
-          </p:nvPr>
-        </p:nvSpPr>
-        <p:spPr/>
-        <p:txBody>
-          <a:bodyPr/>
-          <a:lstStyle/>
-          <a:p>
-            <a:endParaRPr lang="ru-RU"/>
-          </a:p>
-        </p:txBody>
-      </p:sp>
-      <p:sp>
-        <p:nvSpPr>
           <p:cNvPr id="3" name="Объект 2"/>
           <p:cNvSpPr>
             <a:spLocks noGrp="1"/>
@@ -3610,19 +4042,125 @@
             <p:ph idx="1"/>
           </p:nvPr>
         </p:nvSpPr>
-        <p:spPr/>
-        <p:txBody>
-          <a:bodyPr/>
-          <a:lstStyle/>
-          <a:p>
-            <a:endParaRPr lang="ru-RU"/>
+        <p:spPr>
+          <a:xfrm>
+            <a:off x="821108" y="1466702"/>
+            <a:ext cx="10515600" cy="4351338"/>
+          </a:xfrm>
+        </p:spPr>
+        <p:txBody>
+          <a:bodyPr/>
+          <a:lstStyle/>
+          <a:p>
+            <a:pPr marL="0" indent="0">
+              <a:buNone/>
+            </a:pPr>
+            <a:r>
+              <a:rPr lang="ru-RU" dirty="0"/>
+              <a:t>как получить </a:t>
+            </a:r>
+            <a:r>
+              <a:rPr lang="ru-RU" b="1" dirty="0">
+                <a:solidFill>
+                  <a:srgbClr val="FF0000"/>
+                </a:solidFill>
+              </a:rPr>
+              <a:t>[1, 3, 4, 5, 6]</a:t>
+            </a:r>
+            <a:r>
+              <a:rPr lang="ru-RU" dirty="0"/>
+              <a:t/>
+            </a:r>
+            <a:br>
+              <a:rPr lang="ru-RU" dirty="0"/>
+            </a:br>
+            <a:r>
+              <a:rPr lang="ru-RU" dirty="0" err="1" smtClean="0"/>
+              <a:t>spisok</a:t>
+            </a:r>
+            <a:r>
+              <a:rPr lang="ru-RU" dirty="0" smtClean="0"/>
+              <a:t> </a:t>
+            </a:r>
+            <a:r>
+              <a:rPr lang="ru-RU" dirty="0"/>
+              <a:t>= [1, 2, 1, 3, 4, 5, 6, 7, 9, 10]</a:t>
+            </a:r>
+            <a:r>
+              <a:rPr lang="ru-RU" dirty="0" smtClean="0"/>
+              <a:t/>
+            </a:r>
+            <a:br>
+              <a:rPr lang="ru-RU" dirty="0" smtClean="0"/>
+            </a:br>
+            <a:r>
+              <a:rPr lang="en-US" dirty="0" smtClean="0"/>
+              <a:t/>
+            </a:r>
+            <a:br>
+              <a:rPr lang="en-US" dirty="0" smtClean="0"/>
+            </a:br>
+            <a:endParaRPr lang="en-US" dirty="0" smtClean="0"/>
+          </a:p>
+          <a:p>
+            <a:pPr marL="0" indent="0">
+              <a:buNone/>
+            </a:pPr>
+            <a:endParaRPr lang="en-US" dirty="0"/>
+          </a:p>
+          <a:p>
+            <a:pPr marL="0" indent="0">
+              <a:buNone/>
+            </a:pPr>
+            <a:endParaRPr lang="en-US" dirty="0" smtClean="0"/>
+          </a:p>
+          <a:p>
+            <a:pPr marL="0" indent="0">
+              <a:buNone/>
+            </a:pPr>
+            <a:r>
+              <a:rPr lang="en-US" dirty="0" smtClean="0"/>
+              <a:t/>
+            </a:r>
+            <a:br>
+              <a:rPr lang="en-US" dirty="0" smtClean="0"/>
+            </a:br>
+            <a:r>
+              <a:rPr lang="en-US" b="1" dirty="0">
+                <a:solidFill>
+                  <a:srgbClr val="FF0000"/>
+                </a:solidFill>
+              </a:rPr>
+              <a:t>subset = </a:t>
+            </a:r>
+            <a:r>
+              <a:rPr lang="en-US" b="1" dirty="0" err="1">
+                <a:solidFill>
+                  <a:srgbClr val="FF0000"/>
+                </a:solidFill>
+              </a:rPr>
+              <a:t>spisok</a:t>
+            </a:r>
+            <a:r>
+              <a:rPr lang="en-US" b="1" dirty="0">
+                <a:solidFill>
+                  <a:srgbClr val="FF0000"/>
+                </a:solidFill>
+              </a:rPr>
+              <a:t>[1:6]</a:t>
+            </a:r>
+            <a:endParaRPr lang="ru-RU" b="1" dirty="0">
+              <a:solidFill>
+                <a:srgbClr val="FF0000"/>
+              </a:solidFill>
+            </a:endParaRPr>
           </a:p>
         </p:txBody>
       </p:sp>
     </p:spTree>
     <p:extLst>
       <p:ext uri="{BB962C8B-B14F-4D97-AF65-F5344CB8AC3E}">
-        <p14:creationId xmlns:p14="http://schemas.microsoft.com/office/powerpoint/2010/main" val="480955085"/>
+        <p14:creationId xmlns:p14="http://schemas.microsoft.com/office/powerpoint/2010/main" val="4056747908"/>
       </p:ext>
     </p:extLst>
   </p:cSld>
@@ -3651,848 +4189,108 @@
       </p:grpSpPr>
       <p:sp>
         <p:nvSpPr>
-          <p:cNvPr id="2" name="Заголовок 1"/>
-          <p:cNvSpPr>
-            <a:spLocks noGrp="1"/>
-          </p:cNvSpPr>
-          <p:nvPr>
-            <p:ph type="title"/>
+          <p:cNvPr id="3" name="Объект 2"/>
+          <p:cNvSpPr>
+            <a:spLocks noGrp="1"/>
+          </p:cNvSpPr>
+          <p:nvPr>
+            <p:ph idx="1"/>
           </p:nvPr>
         </p:nvSpPr>
         <p:spPr>
           <a:xfrm>
-            <a:off x="568512" y="309658"/>
-            <a:ext cx="11212082" cy="6330424"/>
+            <a:off x="821108" y="1466702"/>
+            <a:ext cx="10515600" cy="4351338"/>
           </a:xfrm>
         </p:spPr>
         <p:txBody>
-          <a:bodyPr anchor="t">
-            <a:noAutofit/>
-          </a:bodyPr>
-          <a:lstStyle/>
-          <a:p>
-            <a:r>
-              <a:rPr lang="ru-RU" sz="2400" dirty="0" smtClean="0"/>
-              <a:t>1) Как </a:t>
-            </a:r>
-            <a:r>
-              <a:rPr lang="ru-RU" sz="2400" dirty="0"/>
-              <a:t>в </a:t>
-            </a:r>
-            <a:r>
-              <a:rPr lang="ru-RU" sz="2400" dirty="0" err="1"/>
-              <a:t>Python</a:t>
-            </a:r>
-            <a:r>
-              <a:rPr lang="ru-RU" sz="2400" dirty="0"/>
-              <a:t> выполнить преобразование числа (например, целого числа) в строку</a:t>
-            </a:r>
-            <a:r>
-              <a:rPr lang="ru-RU" sz="2400" dirty="0" smtClean="0"/>
-              <a:t>?</a:t>
-            </a:r>
-            <a:r>
-              <a:rPr lang="en-US" sz="2400" dirty="0" smtClean="0"/>
-              <a:t> </a:t>
-            </a:r>
-            <a:br>
-              <a:rPr lang="en-US" sz="2400" dirty="0" smtClean="0"/>
-            </a:br>
-            <a:r>
-              <a:rPr lang="en-US" sz="2400" dirty="0" smtClean="0"/>
-              <a:t>	</a:t>
-            </a:r>
-            <a:r>
-              <a:rPr lang="en-US" sz="2400" b="1" dirty="0" err="1" smtClean="0">
-                <a:solidFill>
-                  <a:srgbClr val="0070C0"/>
+          <a:bodyPr/>
+          <a:lstStyle/>
+          <a:p>
+            <a:pPr marL="0" indent="0">
+              <a:buNone/>
+            </a:pPr>
+            <a:r>
+              <a:rPr lang="ru-RU" dirty="0" err="1"/>
+              <a:t>spisok</a:t>
+            </a:r>
+            <a:r>
+              <a:rPr lang="ru-RU" dirty="0"/>
+              <a:t> = [1, 2, 1, 3, 4, 5, 6, 7, 9, 10]</a:t>
+            </a:r>
+            <a:r>
+              <a:rPr lang="en-US" dirty="0"/>
+              <a:t/>
+            </a:r>
+            <a:br>
+              <a:rPr lang="en-US" dirty="0"/>
+            </a:br>
+            <a:r>
+              <a:rPr lang="ru-RU" dirty="0" smtClean="0"/>
+              <a:t>что </a:t>
+            </a:r>
+            <a:r>
+              <a:rPr lang="ru-RU" dirty="0"/>
+              <a:t>вернет </a:t>
+            </a:r>
+            <a:r>
+              <a:rPr lang="ru-RU" dirty="0" err="1"/>
+              <a:t>spisok</a:t>
+            </a:r>
+            <a:r>
+              <a:rPr lang="en-US" dirty="0"/>
+              <a:t>[-3]</a:t>
+            </a:r>
+            <a:r>
+              <a:rPr lang="ru-RU" dirty="0" smtClean="0"/>
+              <a:t/>
+            </a:r>
+            <a:br>
+              <a:rPr lang="ru-RU" dirty="0" smtClean="0"/>
+            </a:br>
+            <a:r>
+              <a:rPr lang="en-US" dirty="0" smtClean="0"/>
+              <a:t/>
+            </a:r>
+            <a:br>
+              <a:rPr lang="en-US" dirty="0" smtClean="0"/>
+            </a:br>
+            <a:endParaRPr lang="en-US" dirty="0" smtClean="0"/>
+          </a:p>
+          <a:p>
+            <a:pPr marL="0" indent="0">
+              <a:buNone/>
+            </a:pPr>
+            <a:endParaRPr lang="en-US" dirty="0"/>
+          </a:p>
+          <a:p>
+            <a:pPr marL="0" indent="0">
+              <a:buNone/>
+            </a:pPr>
+            <a:endParaRPr lang="en-US" dirty="0" smtClean="0"/>
+          </a:p>
+          <a:p>
+            <a:pPr marL="0" indent="0">
+              <a:buNone/>
+            </a:pPr>
+            <a:r>
+              <a:rPr lang="en-US" dirty="0" smtClean="0"/>
+              <a:t/>
+            </a:r>
+            <a:br>
+              <a:rPr lang="en-US" dirty="0" smtClean="0"/>
+            </a:br>
+            <a:r>
+              <a:rPr lang="en-US" b="1" dirty="0" smtClean="0">
+                <a:solidFill>
+                  <a:srgbClr val="FF0000"/>
                 </a:solidFill>
               </a:rPr>
-              <a:t>str</a:t>
-            </a:r>
-            <a:r>
-              <a:rPr lang="en-US" sz="2400" b="1" dirty="0" smtClean="0">
-                <a:solidFill>
-                  <a:srgbClr val="0070C0"/>
-                </a:solidFill>
-              </a:rPr>
-              <a:t>(42)</a:t>
-            </a:r>
-            <a:r>
-              <a:rPr lang="ru-RU" sz="2400" dirty="0"/>
-              <a:t/>
-            </a:r>
-            <a:br>
-              <a:rPr lang="ru-RU" sz="2400" dirty="0"/>
-            </a:br>
-            <a:r>
-              <a:rPr lang="ru-RU" sz="2400" dirty="0" smtClean="0"/>
-              <a:t>2) Как </a:t>
-            </a:r>
-            <a:r>
-              <a:rPr lang="ru-RU" sz="2400" dirty="0"/>
-              <a:t>в </a:t>
-            </a:r>
-            <a:r>
-              <a:rPr lang="ru-RU" sz="2400" dirty="0" err="1"/>
-              <a:t>Python</a:t>
-            </a:r>
-            <a:r>
-              <a:rPr lang="ru-RU" sz="2400" dirty="0"/>
-              <a:t> выполнить преобразование строки в число (например, в целое число или число с плавающей точкой</a:t>
-            </a:r>
-            <a:r>
-              <a:rPr lang="ru-RU" sz="2400" dirty="0" smtClean="0"/>
-              <a:t>)?</a:t>
-            </a:r>
-            <a:r>
-              <a:rPr lang="en-US" sz="2400" dirty="0"/>
-              <a:t> </a:t>
-            </a:r>
-            <a:r>
-              <a:rPr lang="en-US" sz="2400" dirty="0" smtClean="0"/>
-              <a:t/>
-            </a:r>
-            <a:br>
-              <a:rPr lang="en-US" sz="2400" dirty="0" smtClean="0"/>
-            </a:br>
-            <a:r>
-              <a:rPr lang="en-US" sz="2400" dirty="0" smtClean="0"/>
-              <a:t>	</a:t>
-            </a:r>
-            <a:r>
-              <a:rPr lang="en-US" sz="2400" b="1" dirty="0" err="1" smtClean="0">
-                <a:solidFill>
-                  <a:srgbClr val="0070C0"/>
-                </a:solidFill>
-              </a:rPr>
-              <a:t>str_num</a:t>
-            </a:r>
-            <a:r>
-              <a:rPr lang="en-US" sz="2400" b="1" dirty="0" smtClean="0">
-                <a:solidFill>
-                  <a:srgbClr val="0070C0"/>
-                </a:solidFill>
-              </a:rPr>
-              <a:t> </a:t>
-            </a:r>
-            <a:r>
-              <a:rPr lang="en-US" sz="2400" b="1" dirty="0">
-                <a:solidFill>
-                  <a:srgbClr val="0070C0"/>
-                </a:solidFill>
-              </a:rPr>
-              <a:t>= "</a:t>
-            </a:r>
-            <a:r>
-              <a:rPr lang="en-US" sz="2400" b="1" dirty="0" smtClean="0">
-                <a:solidFill>
-                  <a:srgbClr val="0070C0"/>
-                </a:solidFill>
-              </a:rPr>
-              <a:t>42     </a:t>
-            </a:r>
-            <a:r>
-              <a:rPr lang="ru-RU" sz="2400" b="1" dirty="0" smtClean="0">
-                <a:solidFill>
-                  <a:srgbClr val="0070C0"/>
-                </a:solidFill>
-              </a:rPr>
-              <a:t> </a:t>
-            </a:r>
-            <a:r>
-              <a:rPr lang="en-US" sz="2400" b="1" dirty="0" err="1" smtClean="0">
-                <a:solidFill>
-                  <a:srgbClr val="FF0000"/>
-                </a:solidFill>
-              </a:rPr>
-              <a:t>int</a:t>
-            </a:r>
-            <a:r>
-              <a:rPr lang="en-US" sz="2400" b="1" dirty="0" smtClean="0">
-                <a:solidFill>
-                  <a:srgbClr val="FF0000"/>
-                </a:solidFill>
-              </a:rPr>
-              <a:t>(</a:t>
-            </a:r>
-            <a:r>
-              <a:rPr lang="en-US" sz="2400" b="1" dirty="0" err="1" smtClean="0">
-                <a:solidFill>
-                  <a:srgbClr val="FF0000"/>
-                </a:solidFill>
-              </a:rPr>
-              <a:t>str_num</a:t>
-            </a:r>
-            <a:r>
-              <a:rPr lang="ru-RU" sz="2400" b="1" dirty="0" smtClean="0">
-                <a:solidFill>
-                  <a:srgbClr val="FF0000"/>
-                </a:solidFill>
-              </a:rPr>
-              <a:t>) </a:t>
-            </a:r>
-            <a:r>
-              <a:rPr lang="en-US" sz="2400" b="1" dirty="0" smtClean="0">
-                <a:solidFill>
-                  <a:srgbClr val="FF0000"/>
-                </a:solidFill>
-              </a:rPr>
-              <a:t/>
-            </a:r>
-            <a:br>
-              <a:rPr lang="en-US" sz="2400" b="1" dirty="0" smtClean="0">
-                <a:solidFill>
-                  <a:srgbClr val="FF0000"/>
-                </a:solidFill>
-              </a:rPr>
-            </a:br>
-            <a:r>
-              <a:rPr lang="en-US" sz="2400" b="1" dirty="0" smtClean="0">
-                <a:solidFill>
-                  <a:srgbClr val="FF0000"/>
-                </a:solidFill>
-              </a:rPr>
-              <a:t>	</a:t>
-            </a:r>
-            <a:r>
-              <a:rPr lang="en-US" sz="2400" b="1" dirty="0" err="1" smtClean="0">
-                <a:solidFill>
-                  <a:srgbClr val="0070C0"/>
-                </a:solidFill>
-              </a:rPr>
-              <a:t>str_float</a:t>
-            </a:r>
-            <a:r>
-              <a:rPr lang="en-US" sz="2400" b="1" dirty="0" smtClean="0">
-                <a:solidFill>
-                  <a:srgbClr val="0070C0"/>
-                </a:solidFill>
-              </a:rPr>
-              <a:t> </a:t>
-            </a:r>
-            <a:r>
-              <a:rPr lang="en-US" sz="2400" b="1" dirty="0">
-                <a:solidFill>
-                  <a:srgbClr val="0070C0"/>
-                </a:solidFill>
-              </a:rPr>
-              <a:t>= "3.14" </a:t>
-            </a:r>
-            <a:r>
-              <a:rPr lang="en-US" sz="2400" b="1" dirty="0" smtClean="0">
-                <a:solidFill>
-                  <a:srgbClr val="0070C0"/>
-                </a:solidFill>
-              </a:rPr>
-              <a:t>     </a:t>
-            </a:r>
-            <a:r>
-              <a:rPr lang="en-US" sz="2400" b="1" dirty="0" smtClean="0">
-                <a:solidFill>
-                  <a:srgbClr val="FF0000"/>
-                </a:solidFill>
-              </a:rPr>
-              <a:t>float(</a:t>
-            </a:r>
-            <a:r>
-              <a:rPr lang="en-US" sz="2400" b="1" dirty="0" err="1" smtClean="0">
-                <a:solidFill>
-                  <a:srgbClr val="FF0000"/>
-                </a:solidFill>
-              </a:rPr>
-              <a:t>str_float</a:t>
-            </a:r>
-            <a:r>
-              <a:rPr lang="en-US" sz="2400" b="1" dirty="0" smtClean="0">
-                <a:solidFill>
-                  <a:srgbClr val="FF0000"/>
-                </a:solidFill>
-              </a:rPr>
-              <a:t>)</a:t>
-            </a:r>
-            <a:r>
-              <a:rPr lang="ru-RU" sz="2400" dirty="0"/>
-              <a:t/>
-            </a:r>
-            <a:br>
-              <a:rPr lang="ru-RU" sz="2400" dirty="0"/>
-            </a:br>
-            <a:r>
-              <a:rPr lang="ru-RU" sz="2400" dirty="0" smtClean="0"/>
-              <a:t>3) Как </a:t>
-            </a:r>
-            <a:r>
-              <a:rPr lang="ru-RU" sz="2400" dirty="0"/>
-              <a:t>в </a:t>
-            </a:r>
-            <a:r>
-              <a:rPr lang="ru-RU" sz="2400" dirty="0" err="1"/>
-              <a:t>Python</a:t>
-            </a:r>
-            <a:r>
-              <a:rPr lang="ru-RU" sz="2400" dirty="0"/>
-              <a:t> выполнить операцию сложения </a:t>
-            </a:r>
-            <a:r>
-              <a:rPr lang="ru-RU" sz="2400" dirty="0" smtClean="0"/>
-              <a:t>строки </a:t>
-            </a:r>
-            <a:r>
-              <a:rPr lang="ru-RU" sz="2400" dirty="0"/>
-              <a:t>и </a:t>
-            </a:r>
-            <a:r>
-              <a:rPr lang="ru-RU" sz="2400" dirty="0" smtClean="0"/>
-              <a:t>числа?</a:t>
-            </a:r>
-            <a:r>
-              <a:rPr lang="en-US" sz="2400" dirty="0"/>
-              <a:t/>
-            </a:r>
-            <a:br>
-              <a:rPr lang="en-US" sz="2400" dirty="0"/>
-            </a:br>
-            <a:r>
-              <a:rPr lang="en-US" sz="2400" dirty="0" smtClean="0"/>
-              <a:t>	</a:t>
-            </a:r>
-            <a:r>
-              <a:rPr lang="en-US" sz="2400" b="1" dirty="0" smtClean="0">
-                <a:solidFill>
-                  <a:srgbClr val="0070C0"/>
-                </a:solidFill>
-              </a:rPr>
-              <a:t>number = 42 </a:t>
-            </a:r>
-            <a:br>
-              <a:rPr lang="en-US" sz="2400" b="1" dirty="0" smtClean="0">
-                <a:solidFill>
-                  <a:srgbClr val="0070C0"/>
-                </a:solidFill>
-              </a:rPr>
-            </a:br>
-            <a:r>
-              <a:rPr lang="en-US" sz="2400" b="1" dirty="0" smtClean="0">
-                <a:solidFill>
-                  <a:srgbClr val="0070C0"/>
-                </a:solidFill>
-              </a:rPr>
-              <a:t>	string = "The number is: " + </a:t>
-            </a:r>
-            <a:r>
-              <a:rPr lang="en-US" sz="2400" b="1" dirty="0" err="1" smtClean="0">
-                <a:solidFill>
-                  <a:srgbClr val="0070C0"/>
-                </a:solidFill>
-              </a:rPr>
-              <a:t>str</a:t>
-            </a:r>
-            <a:r>
-              <a:rPr lang="en-US" sz="2400" b="1" dirty="0" smtClean="0">
-                <a:solidFill>
-                  <a:srgbClr val="0070C0"/>
-                </a:solidFill>
-              </a:rPr>
-              <a:t>(number)</a:t>
-            </a:r>
-            <a:r>
-              <a:rPr lang="ru-RU" sz="2400" dirty="0"/>
-              <a:t/>
-            </a:r>
-            <a:br>
-              <a:rPr lang="ru-RU" sz="2400" dirty="0"/>
-            </a:br>
-            <a:r>
-              <a:rPr lang="ru-RU" sz="2400" dirty="0" smtClean="0"/>
-              <a:t>4) Какие </a:t>
-            </a:r>
-            <a:r>
-              <a:rPr lang="ru-RU" sz="2400" dirty="0"/>
-              <a:t>операторы сравнения используются для сравнения чисел в </a:t>
-            </a:r>
-            <a:r>
-              <a:rPr lang="ru-RU" sz="2400" dirty="0" err="1"/>
-              <a:t>Python</a:t>
-            </a:r>
-            <a:r>
-              <a:rPr lang="ru-RU" sz="2400" dirty="0" smtClean="0"/>
-              <a:t>?</a:t>
-            </a:r>
-            <a:r>
-              <a:rPr lang="en-US" sz="2400" dirty="0" smtClean="0"/>
-              <a:t/>
-            </a:r>
-            <a:br>
-              <a:rPr lang="en-US" sz="2400" dirty="0" smtClean="0"/>
-            </a:br>
-            <a:r>
-              <a:rPr lang="en-US" sz="2400" dirty="0" smtClean="0"/>
-              <a:t>	</a:t>
-            </a:r>
-            <a:r>
-              <a:rPr lang="ru-RU" sz="2400" b="1" dirty="0" smtClean="0">
-                <a:solidFill>
-                  <a:srgbClr val="0070C0"/>
-                </a:solidFill>
-              </a:rPr>
-              <a:t>==</a:t>
-            </a:r>
-            <a:r>
-              <a:rPr lang="en-US" sz="2400" b="1" dirty="0" smtClean="0">
-                <a:solidFill>
-                  <a:srgbClr val="0070C0"/>
-                </a:solidFill>
-              </a:rPr>
-              <a:t>	</a:t>
-            </a:r>
-            <a:r>
-              <a:rPr lang="ru-RU" sz="2400" b="1" dirty="0" smtClean="0">
-                <a:solidFill>
-                  <a:srgbClr val="0070C0"/>
-                </a:solidFill>
-              </a:rPr>
-              <a:t>Проверка </a:t>
-            </a:r>
-            <a:r>
-              <a:rPr lang="ru-RU" sz="2400" b="1" dirty="0">
-                <a:solidFill>
-                  <a:srgbClr val="0070C0"/>
-                </a:solidFill>
-              </a:rPr>
-              <a:t>на </a:t>
-            </a:r>
-            <a:r>
-              <a:rPr lang="ru-RU" sz="2400" b="1" dirty="0" smtClean="0">
-                <a:solidFill>
-                  <a:srgbClr val="0070C0"/>
-                </a:solidFill>
-              </a:rPr>
-              <a:t>равенство</a:t>
-            </a:r>
-            <a:r>
-              <a:rPr lang="en-US" sz="2400" b="1" dirty="0" smtClean="0">
-                <a:solidFill>
-                  <a:srgbClr val="0070C0"/>
-                </a:solidFill>
-              </a:rPr>
-              <a:t>		</a:t>
-            </a:r>
-            <a:r>
-              <a:rPr lang="en-US" sz="2400" b="1" dirty="0" smtClean="0">
-                <a:solidFill>
-                  <a:srgbClr val="FF0000"/>
-                </a:solidFill>
-              </a:rPr>
-              <a:t>|</a:t>
-            </a:r>
-            <a:r>
-              <a:rPr lang="en-US" sz="2400" b="1" dirty="0" smtClean="0">
-                <a:solidFill>
-                  <a:srgbClr val="0070C0"/>
-                </a:solidFill>
-              </a:rPr>
-              <a:t>	</a:t>
-            </a:r>
-            <a:r>
-              <a:rPr lang="ru-RU" sz="2400" b="1" dirty="0" smtClean="0">
-                <a:solidFill>
-                  <a:srgbClr val="0070C0"/>
-                </a:solidFill>
-              </a:rPr>
-              <a:t>&lt;=</a:t>
-            </a:r>
-            <a:r>
-              <a:rPr lang="en-US" sz="2400" b="1" dirty="0">
-                <a:solidFill>
-                  <a:srgbClr val="0070C0"/>
-                </a:solidFill>
-              </a:rPr>
-              <a:t>	</a:t>
-            </a:r>
-            <a:r>
-              <a:rPr lang="ru-RU" sz="2400" b="1" dirty="0">
-                <a:solidFill>
-                  <a:srgbClr val="0070C0"/>
-                </a:solidFill>
-              </a:rPr>
-              <a:t>Меньше или </a:t>
-            </a:r>
-            <a:r>
-              <a:rPr lang="ru-RU" sz="2400" b="1" dirty="0" smtClean="0">
-                <a:solidFill>
-                  <a:srgbClr val="0070C0"/>
-                </a:solidFill>
-              </a:rPr>
-              <a:t>равно</a:t>
-            </a:r>
-            <a:r>
-              <a:rPr lang="ru-RU" sz="2400" b="1" dirty="0">
-                <a:solidFill>
-                  <a:srgbClr val="0070C0"/>
-                </a:solidFill>
-              </a:rPr>
-              <a:t/>
-            </a:r>
-            <a:br>
-              <a:rPr lang="ru-RU" sz="2400" b="1" dirty="0">
-                <a:solidFill>
-                  <a:srgbClr val="0070C0"/>
-                </a:solidFill>
-              </a:rPr>
-            </a:br>
-            <a:r>
-              <a:rPr lang="en-US" sz="2400" b="1" dirty="0" smtClean="0">
-                <a:solidFill>
-                  <a:srgbClr val="0070C0"/>
-                </a:solidFill>
-              </a:rPr>
-              <a:t>	</a:t>
-            </a:r>
-            <a:r>
-              <a:rPr lang="ru-RU" sz="2400" b="1" dirty="0" smtClean="0">
-                <a:solidFill>
-                  <a:srgbClr val="0070C0"/>
-                </a:solidFill>
-              </a:rPr>
-              <a:t>!=</a:t>
-            </a:r>
-            <a:r>
-              <a:rPr lang="en-US" sz="2400" b="1" dirty="0" smtClean="0">
-                <a:solidFill>
-                  <a:srgbClr val="0070C0"/>
-                </a:solidFill>
-              </a:rPr>
-              <a:t>	</a:t>
-            </a:r>
-            <a:r>
-              <a:rPr lang="ru-RU" sz="2400" b="1" dirty="0" smtClean="0">
-                <a:solidFill>
-                  <a:srgbClr val="0070C0"/>
-                </a:solidFill>
-              </a:rPr>
-              <a:t>Проверка </a:t>
-            </a:r>
-            <a:r>
-              <a:rPr lang="ru-RU" sz="2400" b="1" dirty="0">
-                <a:solidFill>
-                  <a:srgbClr val="0070C0"/>
-                </a:solidFill>
-              </a:rPr>
-              <a:t>на </a:t>
-            </a:r>
-            <a:r>
-              <a:rPr lang="ru-RU" sz="2400" b="1" dirty="0" smtClean="0">
-                <a:solidFill>
-                  <a:srgbClr val="0070C0"/>
-                </a:solidFill>
-              </a:rPr>
-              <a:t>неравенство</a:t>
-            </a:r>
-            <a:r>
-              <a:rPr lang="en-US" sz="2400" b="1" dirty="0" smtClean="0">
-                <a:solidFill>
-                  <a:srgbClr val="0070C0"/>
-                </a:solidFill>
-              </a:rPr>
-              <a:t>		</a:t>
-            </a:r>
-            <a:r>
-              <a:rPr lang="en-US" sz="2400" b="1" dirty="0" smtClean="0">
-                <a:solidFill>
-                  <a:srgbClr val="FF0000"/>
-                </a:solidFill>
-              </a:rPr>
-              <a:t>|</a:t>
-            </a:r>
-            <a:r>
-              <a:rPr lang="en-US" sz="2400" b="1" dirty="0" smtClean="0">
-                <a:solidFill>
-                  <a:srgbClr val="0070C0"/>
-                </a:solidFill>
-              </a:rPr>
-              <a:t>	</a:t>
-            </a:r>
-            <a:r>
-              <a:rPr lang="ru-RU" sz="2400" b="1" dirty="0" smtClean="0">
-                <a:solidFill>
-                  <a:srgbClr val="0070C0"/>
-                </a:solidFill>
-              </a:rPr>
-              <a:t>&lt;</a:t>
-            </a:r>
-            <a:r>
-              <a:rPr lang="en-US" sz="2400" b="1" dirty="0" smtClean="0">
-                <a:solidFill>
-                  <a:srgbClr val="0070C0"/>
-                </a:solidFill>
-              </a:rPr>
-              <a:t>	</a:t>
-            </a:r>
-            <a:r>
-              <a:rPr lang="ru-RU" sz="2400" b="1" dirty="0" smtClean="0">
-                <a:solidFill>
-                  <a:srgbClr val="0070C0"/>
-                </a:solidFill>
-              </a:rPr>
-              <a:t>Меньше </a:t>
-            </a:r>
-            <a:r>
-              <a:rPr lang="ru-RU" sz="2400" b="1" dirty="0">
-                <a:solidFill>
-                  <a:srgbClr val="0070C0"/>
-                </a:solidFill>
-              </a:rPr>
-              <a:t>чем</a:t>
-            </a:r>
-            <a:br>
-              <a:rPr lang="ru-RU" sz="2400" b="1" dirty="0">
-                <a:solidFill>
-                  <a:srgbClr val="0070C0"/>
-                </a:solidFill>
-              </a:rPr>
-            </a:br>
-            <a:r>
-              <a:rPr lang="en-US" sz="2400" b="1" dirty="0" smtClean="0">
-                <a:solidFill>
-                  <a:srgbClr val="0070C0"/>
-                </a:solidFill>
-              </a:rPr>
-              <a:t>	</a:t>
-            </a:r>
-            <a:r>
-              <a:rPr lang="ru-RU" sz="2400" b="1" dirty="0" smtClean="0">
-                <a:solidFill>
-                  <a:srgbClr val="0070C0"/>
-                </a:solidFill>
-              </a:rPr>
-              <a:t>&gt;</a:t>
-            </a:r>
-            <a:r>
-              <a:rPr lang="en-US" sz="2400" b="1" dirty="0" smtClean="0">
-                <a:solidFill>
-                  <a:srgbClr val="0070C0"/>
-                </a:solidFill>
-              </a:rPr>
-              <a:t>	</a:t>
-            </a:r>
-            <a:r>
-              <a:rPr lang="ru-RU" sz="2400" b="1" dirty="0" smtClean="0">
-                <a:solidFill>
-                  <a:srgbClr val="0070C0"/>
-                </a:solidFill>
-              </a:rPr>
-              <a:t>Больше чем</a:t>
-            </a:r>
-            <a:r>
-              <a:rPr lang="en-US" sz="2400" b="1" dirty="0" smtClean="0">
-                <a:solidFill>
-                  <a:srgbClr val="0070C0"/>
-                </a:solidFill>
-              </a:rPr>
-              <a:t>			</a:t>
-            </a:r>
-            <a:r>
-              <a:rPr lang="ru-RU" sz="2400" b="1" dirty="0" smtClean="0">
-                <a:solidFill>
-                  <a:srgbClr val="0070C0"/>
-                </a:solidFill>
-              </a:rPr>
-              <a:t>	</a:t>
-            </a:r>
-            <a:r>
-              <a:rPr lang="en-US" sz="2400" b="1" dirty="0" smtClean="0">
-                <a:solidFill>
-                  <a:srgbClr val="FF0000"/>
-                </a:solidFill>
-              </a:rPr>
-              <a:t>|</a:t>
-            </a:r>
-            <a:r>
-              <a:rPr lang="en-US" sz="2400" b="1" dirty="0" smtClean="0">
-                <a:solidFill>
-                  <a:srgbClr val="0070C0"/>
-                </a:solidFill>
-              </a:rPr>
-              <a:t>	</a:t>
-            </a:r>
-            <a:r>
-              <a:rPr lang="ru-RU" sz="2400" b="1" dirty="0" smtClean="0">
-                <a:solidFill>
-                  <a:srgbClr val="0070C0"/>
-                </a:solidFill>
-              </a:rPr>
-              <a:t>&gt;=</a:t>
-            </a:r>
-            <a:r>
-              <a:rPr lang="en-US" sz="2400" b="1" dirty="0" smtClean="0">
-                <a:solidFill>
-                  <a:srgbClr val="0070C0"/>
-                </a:solidFill>
-              </a:rPr>
-              <a:t>	</a:t>
-            </a:r>
-            <a:r>
-              <a:rPr lang="ru-RU" sz="2400" b="1" dirty="0" smtClean="0">
-                <a:solidFill>
-                  <a:srgbClr val="0070C0"/>
-                </a:solidFill>
-              </a:rPr>
-              <a:t>Больше или равно</a:t>
-            </a:r>
-            <a:r>
-              <a:rPr lang="ru-RU" sz="2400" dirty="0"/>
-              <a:t/>
-            </a:r>
-            <a:br>
-              <a:rPr lang="ru-RU" sz="2400" dirty="0"/>
-            </a:br>
-            <a:r>
-              <a:rPr lang="ru-RU" sz="2400" dirty="0" smtClean="0"/>
-              <a:t>5) Как </a:t>
-            </a:r>
-            <a:r>
-              <a:rPr lang="ru-RU" sz="2400" dirty="0"/>
-              <a:t>создать комментарий (краткое пояснение) в </a:t>
-            </a:r>
-            <a:r>
-              <a:rPr lang="ru-RU" sz="2400" dirty="0" err="1"/>
-              <a:t>Python</a:t>
-            </a:r>
-            <a:r>
-              <a:rPr lang="ru-RU" sz="2400" dirty="0"/>
-              <a:t> для описания строки кода?</a:t>
-            </a:r>
-            <a:br>
-              <a:rPr lang="ru-RU" sz="2400" dirty="0"/>
-            </a:br>
-            <a:r>
-              <a:rPr lang="en-US" sz="2400" dirty="0" smtClean="0"/>
-              <a:t>	</a:t>
-            </a:r>
-            <a:r>
-              <a:rPr lang="en-US" sz="2400" b="1" dirty="0" smtClean="0">
-                <a:solidFill>
-                  <a:srgbClr val="0070C0"/>
-                </a:solidFill>
-              </a:rPr>
-              <a:t>#</a:t>
-            </a:r>
-            <a:r>
-              <a:rPr lang="ru-RU" sz="2400" b="1" dirty="0" err="1" smtClean="0">
-                <a:solidFill>
-                  <a:srgbClr val="0070C0"/>
-                </a:solidFill>
-              </a:rPr>
-              <a:t>бла</a:t>
-            </a:r>
-            <a:r>
-              <a:rPr lang="ru-RU" sz="2400" b="1" dirty="0" smtClean="0">
-                <a:solidFill>
-                  <a:srgbClr val="0070C0"/>
-                </a:solidFill>
-              </a:rPr>
-              <a:t> </a:t>
-            </a:r>
-            <a:r>
-              <a:rPr lang="ru-RU" sz="2400" b="1" dirty="0" err="1" smtClean="0">
-                <a:solidFill>
-                  <a:srgbClr val="0070C0"/>
-                </a:solidFill>
-              </a:rPr>
-              <a:t>бла</a:t>
-            </a:r>
-            <a:r>
-              <a:rPr lang="ru-RU" sz="2400" b="1" dirty="0" smtClean="0">
-                <a:solidFill>
-                  <a:srgbClr val="0070C0"/>
-                </a:solidFill>
-              </a:rPr>
-              <a:t> </a:t>
-            </a:r>
-            <a:r>
-              <a:rPr lang="ru-RU" sz="2400" b="1" dirty="0" err="1" smtClean="0">
-                <a:solidFill>
-                  <a:srgbClr val="0070C0"/>
-                </a:solidFill>
-              </a:rPr>
-              <a:t>бла</a:t>
-            </a:r>
-            <a:r>
-              <a:rPr lang="en-US" sz="2400" b="1" dirty="0" smtClean="0">
-                <a:solidFill>
-                  <a:srgbClr val="0070C0"/>
-                </a:solidFill>
-              </a:rPr>
-              <a:t/>
-            </a:r>
-            <a:br>
-              <a:rPr lang="en-US" sz="2400" b="1" dirty="0" smtClean="0">
-                <a:solidFill>
-                  <a:srgbClr val="0070C0"/>
-                </a:solidFill>
-              </a:rPr>
-            </a:br>
-            <a:r>
-              <a:rPr lang="ru-RU" sz="2400" dirty="0" smtClean="0"/>
-              <a:t/>
-            </a:r>
-            <a:br>
-              <a:rPr lang="ru-RU" sz="2400" dirty="0" smtClean="0"/>
-            </a:br>
-            <a:r>
-              <a:rPr lang="ru-RU" sz="2400" dirty="0" smtClean="0"/>
-              <a:t>6)</a:t>
-            </a:r>
-            <a:r>
-              <a:rPr lang="en-US" sz="2400" dirty="0" smtClean="0"/>
-              <a:t>	</a:t>
-            </a:r>
-            <a:r>
-              <a:rPr lang="ru-RU" sz="2400" b="1" dirty="0" smtClean="0">
-                <a:solidFill>
-                  <a:srgbClr val="0070C0"/>
-                </a:solidFill>
-              </a:rPr>
-              <a:t>2</a:t>
-            </a:r>
-            <a:r>
-              <a:rPr lang="ru-RU" sz="2400" smtClean="0"/>
-              <a:t/>
-            </a:r>
-            <a:br>
-              <a:rPr lang="ru-RU" sz="2400" smtClean="0"/>
-            </a:br>
-            <a:r>
-              <a:rPr lang="ru-RU" sz="2400" smtClean="0"/>
-              <a:t>ы</a:t>
-            </a:r>
-            <a:r>
-              <a:rPr lang="ru-RU" sz="2400" dirty="0"/>
-              <a:t/>
-            </a:r>
-            <a:br>
-              <a:rPr lang="ru-RU" sz="2400" dirty="0"/>
-            </a:br>
-            <a:r>
-              <a:rPr lang="ru-RU" sz="2400" dirty="0" smtClean="0"/>
-              <a:t>7) </a:t>
-            </a:r>
-            <a:r>
-              <a:rPr lang="en-US" sz="2400" dirty="0" smtClean="0"/>
-              <a:t>	</a:t>
-            </a:r>
-            <a:r>
-              <a:rPr lang="ru-RU" sz="2400" b="1" dirty="0" smtClean="0">
-                <a:solidFill>
-                  <a:srgbClr val="0070C0"/>
-                </a:solidFill>
-              </a:rPr>
-              <a:t>1</a:t>
-            </a:r>
-            <a:endParaRPr lang="ru-RU" sz="2400" b="1" dirty="0">
+              <a:t>-7</a:t>
+            </a:r>
+            <a:endParaRPr lang="ru-RU" b="1" dirty="0">
               <a:solidFill>
-                <a:srgbClr val="0070C0"/>
+                <a:srgbClr val="FF0000"/>
               </a:solidFill>
             </a:endParaRPr>
           </a:p>
@@ -4501,7 +4299,436 @@
     </p:spTree>
     <p:extLst>
       <p:ext uri="{BB962C8B-B14F-4D97-AF65-F5344CB8AC3E}">
-        <p14:creationId xmlns:p14="http://schemas.microsoft.com/office/powerpoint/2010/main" val="1000903702"/>
+        <p14:creationId xmlns:p14="http://schemas.microsoft.com/office/powerpoint/2010/main" val="4042108394"/>
+      </p:ext>
+    </p:extLst>
+  </p:cSld>
+  <p:clrMapOvr>
+    <a:masterClrMapping/>
+  </p:clrMapOvr>
+</p:sld>
+</file>
+
+<file path=ppt/slides/slide8.xml><?xml version="1.0" encoding="utf-8"?>
+<p:sld xmlns:a="http://schemas.openxmlformats.org/drawingml/2006/main" xmlns:r="http://schemas.openxmlformats.org/officeDocument/2006/relationships" xmlns:p="http://schemas.openxmlformats.org/presentationml/2006/main">
+  <p:cSld>
+    <p:spTree>
+      <p:nvGrpSpPr>
+        <p:cNvPr id="1" name=""/>
+        <p:cNvGrpSpPr/>
+        <p:nvPr/>
+      </p:nvGrpSpPr>
+      <p:grpSpPr>
+        <a:xfrm>
+          <a:off x="0" y="0"/>
+          <a:ext cx="0" cy="0"/>
+          <a:chOff x="0" y="0"/>
+          <a:chExt cx="0" cy="0"/>
+        </a:xfrm>
+      </p:grpSpPr>
+      <p:sp>
+        <p:nvSpPr>
+          <p:cNvPr id="3" name="Объект 2"/>
+          <p:cNvSpPr>
+            <a:spLocks noGrp="1"/>
+          </p:cNvSpPr>
+          <p:nvPr>
+            <p:ph idx="1"/>
+          </p:nvPr>
+        </p:nvSpPr>
+        <p:spPr>
+          <a:xfrm>
+            <a:off x="821108" y="1466702"/>
+            <a:ext cx="10515600" cy="4351338"/>
+          </a:xfrm>
+        </p:spPr>
+        <p:txBody>
+          <a:bodyPr/>
+          <a:lstStyle/>
+          <a:p>
+            <a:pPr marL="0" indent="0">
+              <a:buNone/>
+            </a:pPr>
+            <a:r>
+              <a:rPr lang="ru-RU" dirty="0"/>
+              <a:t>Напишите </a:t>
+            </a:r>
+            <a:r>
+              <a:rPr lang="ru-RU" dirty="0" err="1"/>
+              <a:t>булевые</a:t>
+            </a:r>
+            <a:r>
+              <a:rPr lang="ru-RU" dirty="0"/>
+              <a:t> переменные:</a:t>
+            </a:r>
+            <a:r>
+              <a:rPr lang="ru-RU" dirty="0" smtClean="0"/>
+              <a:t/>
+            </a:r>
+            <a:br>
+              <a:rPr lang="ru-RU" dirty="0" smtClean="0"/>
+            </a:br>
+            <a:endParaRPr lang="en-US" dirty="0" smtClean="0"/>
+          </a:p>
+          <a:p>
+            <a:pPr marL="0" indent="0">
+              <a:buNone/>
+            </a:pPr>
+            <a:endParaRPr lang="en-US" dirty="0" smtClean="0"/>
+          </a:p>
+          <a:p>
+            <a:pPr marL="0" indent="0">
+              <a:buNone/>
+            </a:pPr>
+            <a:r>
+              <a:rPr lang="ru-RU" dirty="0"/>
+              <a:t>В </a:t>
+            </a:r>
+            <a:r>
+              <a:rPr lang="ru-RU" dirty="0" err="1"/>
+              <a:t>Python</a:t>
+            </a:r>
+            <a:r>
+              <a:rPr lang="ru-RU" dirty="0"/>
+              <a:t> </a:t>
+            </a:r>
+            <a:r>
+              <a:rPr lang="ru-RU" dirty="0" err="1"/>
+              <a:t>булевые</a:t>
+            </a:r>
+            <a:r>
+              <a:rPr lang="ru-RU" dirty="0"/>
+              <a:t> переменные имеют два возможных значения: </a:t>
+            </a:r>
+            <a:r>
+              <a:rPr lang="en-US" b="1" dirty="0">
+                <a:solidFill>
+                  <a:srgbClr val="FF0000"/>
+                </a:solidFill>
+              </a:rPr>
+              <a:t>True</a:t>
+            </a:r>
+            <a:r>
+              <a:rPr lang="ru-RU" dirty="0" smtClean="0"/>
+              <a:t> </a:t>
+            </a:r>
+            <a:r>
+              <a:rPr lang="ru-RU" dirty="0"/>
+              <a:t>(истина) и </a:t>
+            </a:r>
+            <a:r>
+              <a:rPr lang="en-US" b="1" dirty="0" smtClean="0">
+                <a:solidFill>
+                  <a:srgbClr val="FF0000"/>
+                </a:solidFill>
+              </a:rPr>
+              <a:t>False </a:t>
+            </a:r>
+            <a:r>
+              <a:rPr lang="ru-RU" dirty="0" smtClean="0"/>
+              <a:t>(ложь</a:t>
+            </a:r>
+            <a:r>
+              <a:rPr lang="ru-RU" dirty="0"/>
+              <a:t>). </a:t>
+            </a:r>
+            <a:r>
+              <a:rPr lang="en-US" dirty="0" smtClean="0"/>
+              <a:t/>
+            </a:r>
+            <a:br>
+              <a:rPr lang="en-US" dirty="0" smtClean="0"/>
+            </a:br>
+            <a:r>
+              <a:rPr lang="en-US" dirty="0" smtClean="0"/>
+              <a:t/>
+            </a:r>
+            <a:br>
+              <a:rPr lang="en-US" dirty="0" smtClean="0"/>
+            </a:br>
+            <a:r>
+              <a:rPr lang="en-US" b="1" dirty="0" smtClean="0">
+                <a:solidFill>
+                  <a:srgbClr val="FF0000"/>
+                </a:solidFill>
+              </a:rPr>
+              <a:t/>
+            </a:r>
+            <a:br>
+              <a:rPr lang="en-US" b="1" dirty="0" smtClean="0">
+                <a:solidFill>
+                  <a:srgbClr val="FF0000"/>
+                </a:solidFill>
+              </a:rPr>
+            </a:br>
+            <a:endParaRPr lang="ru-RU" b="1" dirty="0">
+              <a:solidFill>
+                <a:srgbClr val="FF0000"/>
+              </a:solidFill>
+            </a:endParaRPr>
+          </a:p>
+        </p:txBody>
+      </p:sp>
+    </p:spTree>
+    <p:extLst>
+      <p:ext uri="{BB962C8B-B14F-4D97-AF65-F5344CB8AC3E}">
+        <p14:creationId xmlns:p14="http://schemas.microsoft.com/office/powerpoint/2010/main" val="3194720869"/>
+      </p:ext>
+    </p:extLst>
+  </p:cSld>
+  <p:clrMapOvr>
+    <a:masterClrMapping/>
+  </p:clrMapOvr>
+</p:sld>
+</file>
+
+<file path=ppt/slides/slide9.xml><?xml version="1.0" encoding="utf-8"?>
+<p:sld xmlns:a="http://schemas.openxmlformats.org/drawingml/2006/main" xmlns:r="http://schemas.openxmlformats.org/officeDocument/2006/relationships" xmlns:p="http://schemas.openxmlformats.org/presentationml/2006/main">
+  <p:cSld>
+    <p:spTree>
+      <p:nvGrpSpPr>
+        <p:cNvPr id="1" name=""/>
+        <p:cNvGrpSpPr/>
+        <p:nvPr/>
+      </p:nvGrpSpPr>
+      <p:grpSpPr>
+        <a:xfrm>
+          <a:off x="0" y="0"/>
+          <a:ext cx="0" cy="0"/>
+          <a:chOff x="0" y="0"/>
+          <a:chExt cx="0" cy="0"/>
+        </a:xfrm>
+      </p:grpSpPr>
+      <p:sp>
+        <p:nvSpPr>
+          <p:cNvPr id="3" name="Объект 2"/>
+          <p:cNvSpPr>
+            <a:spLocks noGrp="1"/>
+          </p:cNvSpPr>
+          <p:nvPr>
+            <p:ph idx="1"/>
+          </p:nvPr>
+        </p:nvSpPr>
+        <p:spPr>
+          <a:xfrm>
+            <a:off x="821108" y="1466702"/>
+            <a:ext cx="10515600" cy="4351338"/>
+          </a:xfrm>
+        </p:spPr>
+        <p:txBody>
+          <a:bodyPr/>
+          <a:lstStyle/>
+          <a:p>
+            <a:pPr marL="0" indent="0">
+              <a:buNone/>
+            </a:pPr>
+            <a:r>
+              <a:rPr lang="ru-RU" dirty="0"/>
+              <a:t>Напишите как выглядит в </a:t>
+            </a:r>
+            <a:r>
+              <a:rPr lang="en-US" dirty="0"/>
+              <a:t>Python: </a:t>
+            </a:r>
+            <a:r>
+              <a:rPr lang="ru-RU" dirty="0"/>
+              <a:t/>
+            </a:r>
+            <a:br>
+              <a:rPr lang="ru-RU" dirty="0"/>
+            </a:br>
+            <a:r>
+              <a:rPr lang="ru-RU" dirty="0"/>
+              <a:t>«а» равна 24</a:t>
+            </a:r>
+            <a:br>
+              <a:rPr lang="ru-RU" dirty="0"/>
+            </a:br>
+            <a:r>
+              <a:rPr lang="ru-RU" dirty="0"/>
+              <a:t>«б» равна 7</a:t>
+            </a:r>
+            <a:br>
+              <a:rPr lang="ru-RU" dirty="0"/>
+            </a:br>
+            <a:r>
+              <a:rPr lang="ru-RU" dirty="0"/>
+              <a:t>если «а» не равно 7, то напечатай остаток от деления «а» на «б» </a:t>
+            </a:r>
+            <a:r>
+              <a:rPr lang="en-US" dirty="0" smtClean="0"/>
+              <a:t/>
+            </a:r>
+            <a:br>
+              <a:rPr lang="en-US" dirty="0" smtClean="0"/>
+            </a:br>
+            <a:r>
+              <a:rPr lang="en-US" dirty="0" smtClean="0"/>
+              <a:t/>
+            </a:r>
+            <a:br>
+              <a:rPr lang="en-US" dirty="0" smtClean="0"/>
+            </a:br>
+            <a:r>
+              <a:rPr lang="en-US" b="1" dirty="0">
+                <a:solidFill>
+                  <a:srgbClr val="FF0000"/>
+                </a:solidFill>
+              </a:rPr>
+              <a:t>a = </a:t>
+            </a:r>
+            <a:r>
+              <a:rPr lang="en-US" b="1" dirty="0" smtClean="0">
+                <a:solidFill>
+                  <a:srgbClr val="FF0000"/>
+                </a:solidFill>
+              </a:rPr>
+              <a:t>24</a:t>
+            </a:r>
+            <a:r>
+              <a:rPr lang="ru-RU" b="1" dirty="0" smtClean="0">
+                <a:solidFill>
+                  <a:srgbClr val="FF0000"/>
+                </a:solidFill>
+              </a:rPr>
+              <a:t/>
+            </a:r>
+            <a:br>
+              <a:rPr lang="ru-RU" b="1" dirty="0" smtClean="0">
+                <a:solidFill>
+                  <a:srgbClr val="FF0000"/>
+                </a:solidFill>
+              </a:rPr>
+            </a:br>
+            <a:r>
+              <a:rPr lang="en-US" b="1" dirty="0" smtClean="0">
+                <a:solidFill>
+                  <a:srgbClr val="FF0000"/>
+                </a:solidFill>
+              </a:rPr>
+              <a:t>b </a:t>
+            </a:r>
+            <a:r>
+              <a:rPr lang="en-US" b="1" dirty="0">
+                <a:solidFill>
+                  <a:srgbClr val="FF0000"/>
+                </a:solidFill>
+              </a:rPr>
+              <a:t>= </a:t>
+            </a:r>
+            <a:r>
+              <a:rPr lang="en-US" b="1" dirty="0" smtClean="0">
+                <a:solidFill>
+                  <a:srgbClr val="FF0000"/>
+                </a:solidFill>
+              </a:rPr>
+              <a:t>7</a:t>
+            </a:r>
+            <a:r>
+              <a:rPr lang="ru-RU" b="1" dirty="0" smtClean="0">
+                <a:solidFill>
+                  <a:srgbClr val="FF0000"/>
+                </a:solidFill>
+              </a:rPr>
+              <a:t/>
+            </a:r>
+            <a:br>
+              <a:rPr lang="ru-RU" b="1" dirty="0" smtClean="0">
+                <a:solidFill>
+                  <a:srgbClr val="FF0000"/>
+                </a:solidFill>
+              </a:rPr>
+            </a:br>
+            <a:r>
+              <a:rPr lang="en-US" b="1" dirty="0" smtClean="0">
+                <a:solidFill>
+                  <a:srgbClr val="FF0000"/>
+                </a:solidFill>
+              </a:rPr>
+              <a:t>if </a:t>
+            </a:r>
+            <a:r>
+              <a:rPr lang="en-US" b="1" dirty="0">
+                <a:solidFill>
+                  <a:srgbClr val="FF0000"/>
+                </a:solidFill>
+              </a:rPr>
+              <a:t>a != </a:t>
+            </a:r>
+            <a:r>
+              <a:rPr lang="en-US" b="1" dirty="0" smtClean="0">
+                <a:solidFill>
+                  <a:srgbClr val="FF0000"/>
+                </a:solidFill>
+              </a:rPr>
+              <a:t>7:</a:t>
+            </a:r>
+            <a:r>
+              <a:rPr lang="ru-RU" b="1" dirty="0" smtClean="0">
+                <a:solidFill>
+                  <a:srgbClr val="FF0000"/>
+                </a:solidFill>
+              </a:rPr>
+              <a:t/>
+            </a:r>
+            <a:br>
+              <a:rPr lang="ru-RU" b="1" dirty="0" smtClean="0">
+                <a:solidFill>
+                  <a:srgbClr val="FF0000"/>
+                </a:solidFill>
+              </a:rPr>
+            </a:br>
+            <a:r>
+              <a:rPr lang="ru-RU" b="1" dirty="0" smtClean="0">
+                <a:solidFill>
+                  <a:srgbClr val="FF0000"/>
+                </a:solidFill>
+              </a:rPr>
+              <a:t>    </a:t>
+            </a:r>
+            <a:r>
+              <a:rPr lang="en-US" b="1" smtClean="0">
+                <a:solidFill>
+                  <a:srgbClr val="FF0000"/>
+                </a:solidFill>
+              </a:rPr>
+              <a:t>print(a </a:t>
+            </a:r>
+            <a:r>
+              <a:rPr lang="en-US" b="1" dirty="0">
+                <a:solidFill>
+                  <a:srgbClr val="FF0000"/>
+                </a:solidFill>
+              </a:rPr>
+              <a:t>% </a:t>
+            </a:r>
+            <a:r>
+              <a:rPr lang="en-US" b="1" dirty="0" smtClean="0">
+                <a:solidFill>
+                  <a:srgbClr val="FF0000"/>
+                </a:solidFill>
+              </a:rPr>
+              <a:t>b)</a:t>
+            </a:r>
+            <a:br>
+              <a:rPr lang="en-US" b="1" dirty="0" smtClean="0">
+                <a:solidFill>
+                  <a:srgbClr val="FF0000"/>
+                </a:solidFill>
+              </a:rPr>
+            </a:br>
+            <a:endParaRPr lang="ru-RU" b="1" dirty="0">
+              <a:solidFill>
+                <a:srgbClr val="FF0000"/>
+              </a:solidFill>
+            </a:endParaRPr>
+          </a:p>
+        </p:txBody>
+      </p:sp>
+    </p:spTree>
+    <p:extLst>
+      <p:ext uri="{BB962C8B-B14F-4D97-AF65-F5344CB8AC3E}">
+        <p14:creationId xmlns:p14="http://schemas.microsoft.com/office/powerpoint/2010/main" val="3860804655"/>
       </p:ext>
     </p:extLst>
   </p:cSld>
